--- a/ClassDiagram/Class Design_v1.0.1.pptx
+++ b/ClassDiagram/Class Design_v1.0.1.pptx
@@ -5,10 +5,10 @@
     <p:sldMasterId id="2147483655" r:id="rId1"/>
   </p:sldMasterIdLst>
   <p:notesMasterIdLst>
-    <p:notesMasterId r:id="rId22"/>
+    <p:notesMasterId r:id="rId11"/>
   </p:notesMasterIdLst>
   <p:handoutMasterIdLst>
-    <p:handoutMasterId r:id="rId23"/>
+    <p:handoutMasterId r:id="rId12"/>
   </p:handoutMasterIdLst>
   <p:sldIdLst>
     <p:sldId id="256" r:id="rId2"/>
@@ -16,21 +16,10 @@
     <p:sldId id="258" r:id="rId4"/>
     <p:sldId id="259" r:id="rId5"/>
     <p:sldId id="262" r:id="rId6"/>
-    <p:sldId id="263" r:id="rId7"/>
-    <p:sldId id="264" r:id="rId8"/>
-    <p:sldId id="265" r:id="rId9"/>
-    <p:sldId id="266" r:id="rId10"/>
-    <p:sldId id="267" r:id="rId11"/>
-    <p:sldId id="268" r:id="rId12"/>
-    <p:sldId id="270" r:id="rId13"/>
-    <p:sldId id="278" r:id="rId14"/>
-    <p:sldId id="271" r:id="rId15"/>
-    <p:sldId id="273" r:id="rId16"/>
-    <p:sldId id="269" r:id="rId17"/>
-    <p:sldId id="275" r:id="rId18"/>
-    <p:sldId id="277" r:id="rId19"/>
-    <p:sldId id="274" r:id="rId20"/>
-    <p:sldId id="272" r:id="rId21"/>
+    <p:sldId id="270" r:id="rId7"/>
+    <p:sldId id="278" r:id="rId8"/>
+    <p:sldId id="271" r:id="rId9"/>
+    <p:sldId id="273" r:id="rId10"/>
   </p:sldIdLst>
   <p:sldSz cx="9144000" cy="6858000" type="screen4x3"/>
   <p:notesSz cx="6797675" cy="9928225"/>
@@ -3114,1855 +3103,6 @@
 </p:sld>
 </file>
 
-<file path=ppt/slides/slide10.xml><?xml version="1.0" encoding="utf-8"?>
-<p:sld xmlns:a="http://schemas.openxmlformats.org/drawingml/2006/main" xmlns:r="http://schemas.openxmlformats.org/officeDocument/2006/relationships" xmlns:p="http://schemas.openxmlformats.org/presentationml/2006/main">
-  <p:cSld>
-    <p:spTree>
-      <p:nvGrpSpPr>
-        <p:cNvPr id="1" name=""/>
-        <p:cNvGrpSpPr/>
-        <p:nvPr/>
-      </p:nvGrpSpPr>
-      <p:grpSpPr>
-        <a:xfrm>
-          <a:off x="0" y="0"/>
-          <a:ext cx="0" cy="0"/>
-          <a:chOff x="0" y="0"/>
-          <a:chExt cx="0" cy="0"/>
-        </a:xfrm>
-      </p:grpSpPr>
-      <p:sp>
-        <p:nvSpPr>
-          <p:cNvPr id="2" name="바닥글 개체 틀 1">
-            <a:extLst>
-              <a:ext uri="{FF2B5EF4-FFF2-40B4-BE49-F238E27FC236}">
-                <a16:creationId xmlns:a16="http://schemas.microsoft.com/office/drawing/2014/main" id="{3E35CAA0-4B2F-7727-DBC9-85FDC21359B5}"/>
-              </a:ext>
-            </a:extLst>
-          </p:cNvPr>
-          <p:cNvSpPr>
-            <a:spLocks noGrp="1"/>
-          </p:cNvSpPr>
-          <p:nvPr>
-            <p:ph type="ftr" sz="quarter" idx="3"/>
-          </p:nvPr>
-        </p:nvSpPr>
-        <p:spPr/>
-        <p:txBody>
-          <a:bodyPr/>
-          <a:lstStyle/>
-          <a:p>
-            <a:pPr algn="r"/>
-            <a:r>
-              <a:rPr lang="ko-KR" altLang="en-US"/>
-              <a:t>팀 명</a:t>
-            </a:r>
-            <a:endParaRPr lang="en-US" altLang="ko-KR"/>
-          </a:p>
-        </p:txBody>
-      </p:sp>
-      <p:sp>
-        <p:nvSpPr>
-          <p:cNvPr id="4" name="TextBox 3">
-            <a:extLst>
-              <a:ext uri="{FF2B5EF4-FFF2-40B4-BE49-F238E27FC236}">
-                <a16:creationId xmlns:a16="http://schemas.microsoft.com/office/drawing/2014/main" id="{FBB5D7A5-C3FF-9985-ED69-0D3EFDBFD57D}"/>
-              </a:ext>
-            </a:extLst>
-          </p:cNvPr>
-          <p:cNvSpPr txBox="1"/>
-          <p:nvPr/>
-        </p:nvSpPr>
-        <p:spPr>
-          <a:xfrm>
-            <a:off x="251140" y="941023"/>
-            <a:ext cx="6740661" cy="307777"/>
-          </a:xfrm>
-          <a:prstGeom prst="rect">
-            <a:avLst/>
-          </a:prstGeom>
-          <a:noFill/>
-        </p:spPr>
-        <p:txBody>
-          <a:bodyPr rot="0" spcFirstLastPara="0" vertOverflow="overflow" horzOverflow="overflow" vert="horz" wrap="square" lIns="91440" tIns="45720" rIns="91440" bIns="45720" numCol="1" spcCol="0" rtlCol="0" fromWordArt="0" anchor="t" anchorCtr="0" forceAA="0" compatLnSpc="1">
-            <a:prstTxWarp prst="textNoShape">
-              <a:avLst/>
-            </a:prstTxWarp>
-            <a:spAutoFit/>
-          </a:bodyPr>
-          <a:lstStyle/>
-          <a:p>
-            <a:r>
-              <a:rPr lang="ko-KR" altLang="en-US" dirty="0">
-                <a:latin typeface="Arial"/>
-                <a:ea typeface="HY울릉도M"/>
-                <a:cs typeface="Arial"/>
-              </a:rPr>
-              <a:t>시퀀스 다이어그램 - UC005 </a:t>
-            </a:r>
-            <a:r>
-              <a:rPr lang="ko-KR" dirty="0">
-                <a:latin typeface="Arial"/>
-                <a:ea typeface="HY울릉도M"/>
-                <a:cs typeface="Arial"/>
-              </a:rPr>
-              <a:t>회원정보를 </a:t>
-            </a:r>
-            <a:r>
-              <a:rPr lang="ko-KR" altLang="en-US" dirty="0">
-                <a:latin typeface="Arial"/>
-                <a:ea typeface="HY울릉도M"/>
-                <a:cs typeface="Arial"/>
-              </a:rPr>
-              <a:t>수정한다 </a:t>
-            </a:r>
-            <a:r>
-              <a:rPr lang="en-US" altLang="ko-KR" dirty="0">
-                <a:latin typeface="Arial"/>
-                <a:ea typeface="HY울릉도M"/>
-                <a:cs typeface="Arial"/>
-              </a:rPr>
-              <a:t>-</a:t>
-            </a:r>
-            <a:r>
-              <a:rPr lang="ko-KR" altLang="en-US" dirty="0">
-                <a:latin typeface="Arial"/>
-                <a:ea typeface="HY울릉도M"/>
-                <a:cs typeface="Arial"/>
-              </a:rPr>
-              <a:t> 비밀번호를 수정한다</a:t>
-            </a:r>
-            <a:endParaRPr lang="ko-KR" altLang="en-US" dirty="0">
-              <a:cs typeface="Arial"/>
-            </a:endParaRPr>
-          </a:p>
-        </p:txBody>
-      </p:sp>
-      <p:pic>
-        <p:nvPicPr>
-          <p:cNvPr id="3" name="그림 4" descr="도표이(가) 표시된 사진&#10;&#10;자동 생성된 설명">
-            <a:extLst>
-              <a:ext uri="{FF2B5EF4-FFF2-40B4-BE49-F238E27FC236}">
-                <a16:creationId xmlns:a16="http://schemas.microsoft.com/office/drawing/2014/main" id="{3459DFC6-0205-B544-88BF-ACB9B449410F}"/>
-              </a:ext>
-            </a:extLst>
-          </p:cNvPr>
-          <p:cNvPicPr>
-            <a:picLocks noChangeAspect="1"/>
-          </p:cNvPicPr>
-          <p:nvPr/>
-        </p:nvPicPr>
-        <p:blipFill>
-          <a:blip r:embed="rId2"/>
-          <a:stretch>
-            <a:fillRect/>
-          </a:stretch>
-        </p:blipFill>
-        <p:spPr>
-          <a:xfrm>
-            <a:off x="351830" y="1414120"/>
-            <a:ext cx="8440340" cy="4494103"/>
-          </a:xfrm>
-          <a:prstGeom prst="rect">
-            <a:avLst/>
-          </a:prstGeom>
-        </p:spPr>
-      </p:pic>
-      <p:sp>
-        <p:nvSpPr>
-          <p:cNvPr id="8" name="TextBox 7">
-            <a:extLst>
-              <a:ext uri="{FF2B5EF4-FFF2-40B4-BE49-F238E27FC236}">
-                <a16:creationId xmlns:a16="http://schemas.microsoft.com/office/drawing/2014/main" id="{ED2DD862-74E7-AAC0-8562-A984F080BB4E}"/>
-              </a:ext>
-            </a:extLst>
-          </p:cNvPr>
-          <p:cNvSpPr txBox="1"/>
-          <p:nvPr/>
-        </p:nvSpPr>
-        <p:spPr>
-          <a:xfrm>
-            <a:off x="1134070" y="276820"/>
-            <a:ext cx="3437929" cy="276999"/>
-          </a:xfrm>
-          <a:prstGeom prst="rect">
-            <a:avLst/>
-          </a:prstGeom>
-          <a:noFill/>
-        </p:spPr>
-        <p:txBody>
-          <a:bodyPr rot="0" spcFirstLastPara="0" vertOverflow="overflow" horzOverflow="overflow" vert="horz" wrap="square" lIns="91440" tIns="45720" rIns="91440" bIns="45720" numCol="1" spcCol="0" rtlCol="0" fromWordArt="0" anchor="t" anchorCtr="0" forceAA="0" compatLnSpc="1">
-            <a:prstTxWarp prst="textNoShape">
-              <a:avLst/>
-            </a:prstTxWarp>
-            <a:spAutoFit/>
-          </a:bodyPr>
-          <a:lstStyle/>
-          <a:p>
-            <a:pPr algn="ctr"/>
-            <a:r>
-              <a:rPr lang="ko-KR" sz="1200" dirty="0">
-                <a:solidFill>
-                  <a:srgbClr val="1F2328"/>
-                </a:solidFill>
-                <a:latin typeface="Arial"/>
-                <a:ea typeface="HY울릉도M"/>
-                <a:cs typeface="Arial"/>
-              </a:rPr>
-              <a:t>할 일 목록 애플리케이션</a:t>
-            </a:r>
-            <a:endParaRPr lang="ko-KR" dirty="0"/>
-          </a:p>
-        </p:txBody>
-      </p:sp>
-    </p:spTree>
-    <p:extLst>
-      <p:ext uri="{BB962C8B-B14F-4D97-AF65-F5344CB8AC3E}">
-        <p14:creationId xmlns:p14="http://schemas.microsoft.com/office/powerpoint/2010/main" val="3072083339"/>
-      </p:ext>
-    </p:extLst>
-  </p:cSld>
-  <p:clrMapOvr>
-    <a:masterClrMapping/>
-  </p:clrMapOvr>
-</p:sld>
-</file>
-
-<file path=ppt/slides/slide11.xml><?xml version="1.0" encoding="utf-8"?>
-<p:sld xmlns:a="http://schemas.openxmlformats.org/drawingml/2006/main" xmlns:r="http://schemas.openxmlformats.org/officeDocument/2006/relationships" xmlns:p="http://schemas.openxmlformats.org/presentationml/2006/main">
-  <p:cSld>
-    <p:spTree>
-      <p:nvGrpSpPr>
-        <p:cNvPr id="1" name=""/>
-        <p:cNvGrpSpPr/>
-        <p:nvPr/>
-      </p:nvGrpSpPr>
-      <p:grpSpPr>
-        <a:xfrm>
-          <a:off x="0" y="0"/>
-          <a:ext cx="0" cy="0"/>
-          <a:chOff x="0" y="0"/>
-          <a:chExt cx="0" cy="0"/>
-        </a:xfrm>
-      </p:grpSpPr>
-      <p:sp>
-        <p:nvSpPr>
-          <p:cNvPr id="2" name="바닥글 개체 틀 1">
-            <a:extLst>
-              <a:ext uri="{FF2B5EF4-FFF2-40B4-BE49-F238E27FC236}">
-                <a16:creationId xmlns:a16="http://schemas.microsoft.com/office/drawing/2014/main" id="{3E35CAA0-4B2F-7727-DBC9-85FDC21359B5}"/>
-              </a:ext>
-            </a:extLst>
-          </p:cNvPr>
-          <p:cNvSpPr>
-            <a:spLocks noGrp="1"/>
-          </p:cNvSpPr>
-          <p:nvPr>
-            <p:ph type="ftr" sz="quarter" idx="3"/>
-          </p:nvPr>
-        </p:nvSpPr>
-        <p:spPr/>
-        <p:txBody>
-          <a:bodyPr/>
-          <a:lstStyle/>
-          <a:p>
-            <a:pPr algn="r"/>
-            <a:r>
-              <a:rPr lang="ko-KR" altLang="en-US"/>
-              <a:t>팀 명</a:t>
-            </a:r>
-            <a:endParaRPr lang="en-US" altLang="ko-KR"/>
-          </a:p>
-        </p:txBody>
-      </p:sp>
-      <p:sp>
-        <p:nvSpPr>
-          <p:cNvPr id="4" name="TextBox 3">
-            <a:extLst>
-              <a:ext uri="{FF2B5EF4-FFF2-40B4-BE49-F238E27FC236}">
-                <a16:creationId xmlns:a16="http://schemas.microsoft.com/office/drawing/2014/main" id="{FBB5D7A5-C3FF-9985-ED69-0D3EFDBFD57D}"/>
-              </a:ext>
-            </a:extLst>
-          </p:cNvPr>
-          <p:cNvSpPr txBox="1"/>
-          <p:nvPr/>
-        </p:nvSpPr>
-        <p:spPr>
-          <a:xfrm>
-            <a:off x="251140" y="941023"/>
-            <a:ext cx="3735236" cy="307777"/>
-          </a:xfrm>
-          <a:prstGeom prst="rect">
-            <a:avLst/>
-          </a:prstGeom>
-          <a:noFill/>
-        </p:spPr>
-        <p:txBody>
-          <a:bodyPr rot="0" spcFirstLastPara="0" vertOverflow="overflow" horzOverflow="overflow" vert="horz" wrap="square" lIns="91440" tIns="45720" rIns="91440" bIns="45720" numCol="1" spcCol="0" rtlCol="0" fromWordArt="0" anchor="t" anchorCtr="0" forceAA="0" compatLnSpc="1">
-            <a:prstTxWarp prst="textNoShape">
-              <a:avLst/>
-            </a:prstTxWarp>
-            <a:spAutoFit/>
-          </a:bodyPr>
-          <a:lstStyle/>
-          <a:p>
-            <a:r>
-              <a:rPr lang="ko-KR" altLang="en-US" dirty="0">
-                <a:latin typeface="Arial"/>
-                <a:ea typeface="HY울릉도M"/>
-                <a:cs typeface="Arial"/>
-              </a:rPr>
-              <a:t>시퀀스 다이어그램 - UC006 회원을 탈퇴한다</a:t>
-            </a:r>
-          </a:p>
-        </p:txBody>
-      </p:sp>
-      <p:pic>
-        <p:nvPicPr>
-          <p:cNvPr id="3" name="그림 4" descr="도표이(가) 표시된 사진&#10;&#10;자동 생성된 설명">
-            <a:extLst>
-              <a:ext uri="{FF2B5EF4-FFF2-40B4-BE49-F238E27FC236}">
-                <a16:creationId xmlns:a16="http://schemas.microsoft.com/office/drawing/2014/main" id="{7B92D47D-CFB4-B7ED-06F3-5665952986FA}"/>
-              </a:ext>
-            </a:extLst>
-          </p:cNvPr>
-          <p:cNvPicPr>
-            <a:picLocks noChangeAspect="1"/>
-          </p:cNvPicPr>
-          <p:nvPr/>
-        </p:nvPicPr>
-        <p:blipFill>
-          <a:blip r:embed="rId2"/>
-          <a:stretch>
-            <a:fillRect/>
-          </a:stretch>
-        </p:blipFill>
-        <p:spPr>
-          <a:xfrm>
-            <a:off x="441127" y="1404023"/>
-            <a:ext cx="8279606" cy="4505369"/>
-          </a:xfrm>
-          <a:prstGeom prst="rect">
-            <a:avLst/>
-          </a:prstGeom>
-        </p:spPr>
-      </p:pic>
-      <p:sp>
-        <p:nvSpPr>
-          <p:cNvPr id="8" name="TextBox 7">
-            <a:extLst>
-              <a:ext uri="{FF2B5EF4-FFF2-40B4-BE49-F238E27FC236}">
-                <a16:creationId xmlns:a16="http://schemas.microsoft.com/office/drawing/2014/main" id="{C4099609-95FE-A3C2-C2BB-7FB538B37C79}"/>
-              </a:ext>
-            </a:extLst>
-          </p:cNvPr>
-          <p:cNvSpPr txBox="1"/>
-          <p:nvPr/>
-        </p:nvSpPr>
-        <p:spPr>
-          <a:xfrm>
-            <a:off x="1134070" y="276820"/>
-            <a:ext cx="3437929" cy="276999"/>
-          </a:xfrm>
-          <a:prstGeom prst="rect">
-            <a:avLst/>
-          </a:prstGeom>
-          <a:noFill/>
-        </p:spPr>
-        <p:txBody>
-          <a:bodyPr rot="0" spcFirstLastPara="0" vertOverflow="overflow" horzOverflow="overflow" vert="horz" wrap="square" lIns="91440" tIns="45720" rIns="91440" bIns="45720" numCol="1" spcCol="0" rtlCol="0" fromWordArt="0" anchor="t" anchorCtr="0" forceAA="0" compatLnSpc="1">
-            <a:prstTxWarp prst="textNoShape">
-              <a:avLst/>
-            </a:prstTxWarp>
-            <a:spAutoFit/>
-          </a:bodyPr>
-          <a:lstStyle/>
-          <a:p>
-            <a:pPr algn="ctr"/>
-            <a:r>
-              <a:rPr lang="ko-KR" sz="1200" dirty="0">
-                <a:solidFill>
-                  <a:srgbClr val="1F2328"/>
-                </a:solidFill>
-                <a:latin typeface="Arial"/>
-                <a:ea typeface="HY울릉도M"/>
-                <a:cs typeface="Arial"/>
-              </a:rPr>
-              <a:t>할 일 목록 애플리케이션</a:t>
-            </a:r>
-            <a:endParaRPr lang="ko-KR" dirty="0"/>
-          </a:p>
-        </p:txBody>
-      </p:sp>
-    </p:spTree>
-    <p:extLst>
-      <p:ext uri="{BB962C8B-B14F-4D97-AF65-F5344CB8AC3E}">
-        <p14:creationId xmlns:p14="http://schemas.microsoft.com/office/powerpoint/2010/main" val="1659220281"/>
-      </p:ext>
-    </p:extLst>
-  </p:cSld>
-  <p:clrMapOvr>
-    <a:masterClrMapping/>
-  </p:clrMapOvr>
-</p:sld>
-</file>
-
-<file path=ppt/slides/slide12.xml><?xml version="1.0" encoding="utf-8"?>
-<p:sld xmlns:a="http://schemas.openxmlformats.org/drawingml/2006/main" xmlns:r="http://schemas.openxmlformats.org/officeDocument/2006/relationships" xmlns:p="http://schemas.openxmlformats.org/presentationml/2006/main">
-  <p:cSld>
-    <p:spTree>
-      <p:nvGrpSpPr>
-        <p:cNvPr id="1" name=""/>
-        <p:cNvGrpSpPr/>
-        <p:nvPr/>
-      </p:nvGrpSpPr>
-      <p:grpSpPr>
-        <a:xfrm>
-          <a:off x="0" y="0"/>
-          <a:ext cx="0" cy="0"/>
-          <a:chOff x="0" y="0"/>
-          <a:chExt cx="0" cy="0"/>
-        </a:xfrm>
-      </p:grpSpPr>
-      <p:sp>
-        <p:nvSpPr>
-          <p:cNvPr id="2" name="바닥글 개체 틀 1">
-            <a:extLst>
-              <a:ext uri="{FF2B5EF4-FFF2-40B4-BE49-F238E27FC236}">
-                <a16:creationId xmlns:a16="http://schemas.microsoft.com/office/drawing/2014/main" id="{3E35CAA0-4B2F-7727-DBC9-85FDC21359B5}"/>
-              </a:ext>
-            </a:extLst>
-          </p:cNvPr>
-          <p:cNvSpPr>
-            <a:spLocks noGrp="1"/>
-          </p:cNvSpPr>
-          <p:nvPr>
-            <p:ph type="ftr" sz="quarter" idx="3"/>
-          </p:nvPr>
-        </p:nvSpPr>
-        <p:spPr/>
-        <p:txBody>
-          <a:bodyPr/>
-          <a:lstStyle/>
-          <a:p>
-            <a:pPr algn="r"/>
-            <a:r>
-              <a:rPr lang="ko-KR" altLang="en-US"/>
-              <a:t>팀 명</a:t>
-            </a:r>
-            <a:endParaRPr lang="en-US" altLang="ko-KR"/>
-          </a:p>
-        </p:txBody>
-      </p:sp>
-      <p:sp>
-        <p:nvSpPr>
-          <p:cNvPr id="4" name="TextBox 3">
-            <a:extLst>
-              <a:ext uri="{FF2B5EF4-FFF2-40B4-BE49-F238E27FC236}">
-                <a16:creationId xmlns:a16="http://schemas.microsoft.com/office/drawing/2014/main" id="{FBB5D7A5-C3FF-9985-ED69-0D3EFDBFD57D}"/>
-              </a:ext>
-            </a:extLst>
-          </p:cNvPr>
-          <p:cNvSpPr txBox="1"/>
-          <p:nvPr/>
-        </p:nvSpPr>
-        <p:spPr>
-          <a:xfrm>
-            <a:off x="251140" y="941023"/>
-            <a:ext cx="5494384" cy="307777"/>
-          </a:xfrm>
-          <a:prstGeom prst="rect">
-            <a:avLst/>
-          </a:prstGeom>
-          <a:noFill/>
-        </p:spPr>
-        <p:txBody>
-          <a:bodyPr rot="0" spcFirstLastPara="0" vertOverflow="overflow" horzOverflow="overflow" vert="horz" wrap="square" lIns="91440" tIns="45720" rIns="91440" bIns="45720" numCol="1" spcCol="0" rtlCol="0" fromWordArt="0" anchor="t" anchorCtr="0" forceAA="0" compatLnSpc="1">
-            <a:prstTxWarp prst="textNoShape">
-              <a:avLst/>
-            </a:prstTxWarp>
-            <a:spAutoFit/>
-          </a:bodyPr>
-          <a:lstStyle/>
-          <a:p>
-            <a:r>
-              <a:rPr lang="ko-KR" altLang="en-US">
-                <a:latin typeface="Arial"/>
-                <a:ea typeface="HY울릉도M"/>
-                <a:cs typeface="Arial"/>
-              </a:rPr>
-              <a:t>시퀀스 다이어그램 - UC007 012~016 일정추가관련</a:t>
-            </a:r>
-            <a:endParaRPr lang="ko-KR" altLang="en-US">
-              <a:cs typeface="Arial"/>
-            </a:endParaRPr>
-          </a:p>
-        </p:txBody>
-      </p:sp>
-      <p:pic>
-        <p:nvPicPr>
-          <p:cNvPr id="3" name="그림 4" descr="달력이(가) 표시된 사진&#10;&#10;자동 생성된 설명">
-            <a:extLst>
-              <a:ext uri="{FF2B5EF4-FFF2-40B4-BE49-F238E27FC236}">
-                <a16:creationId xmlns:a16="http://schemas.microsoft.com/office/drawing/2014/main" id="{91085083-5FE8-D58D-CA4D-D9DD45230314}"/>
-              </a:ext>
-            </a:extLst>
-          </p:cNvPr>
-          <p:cNvPicPr>
-            <a:picLocks noChangeAspect="1"/>
-          </p:cNvPicPr>
-          <p:nvPr/>
-        </p:nvPicPr>
-        <p:blipFill>
-          <a:blip r:embed="rId2"/>
-          <a:stretch>
-            <a:fillRect/>
-          </a:stretch>
-        </p:blipFill>
-        <p:spPr>
-          <a:xfrm>
-            <a:off x="960582" y="1319398"/>
-            <a:ext cx="7222836" cy="4796477"/>
-          </a:xfrm>
-          <a:prstGeom prst="rect">
-            <a:avLst/>
-          </a:prstGeom>
-        </p:spPr>
-      </p:pic>
-      <p:sp>
-        <p:nvSpPr>
-          <p:cNvPr id="8" name="TextBox 7">
-            <a:extLst>
-              <a:ext uri="{FF2B5EF4-FFF2-40B4-BE49-F238E27FC236}">
-                <a16:creationId xmlns:a16="http://schemas.microsoft.com/office/drawing/2014/main" id="{7A34E570-711C-4C11-A03C-1C535DDF4022}"/>
-              </a:ext>
-            </a:extLst>
-          </p:cNvPr>
-          <p:cNvSpPr txBox="1"/>
-          <p:nvPr/>
-        </p:nvSpPr>
-        <p:spPr>
-          <a:xfrm>
-            <a:off x="1134070" y="276820"/>
-            <a:ext cx="3437929" cy="276999"/>
-          </a:xfrm>
-          <a:prstGeom prst="rect">
-            <a:avLst/>
-          </a:prstGeom>
-          <a:noFill/>
-        </p:spPr>
-        <p:txBody>
-          <a:bodyPr rot="0" spcFirstLastPara="0" vertOverflow="overflow" horzOverflow="overflow" vert="horz" wrap="square" lIns="91440" tIns="45720" rIns="91440" bIns="45720" numCol="1" spcCol="0" rtlCol="0" fromWordArt="0" anchor="t" anchorCtr="0" forceAA="0" compatLnSpc="1">
-            <a:prstTxWarp prst="textNoShape">
-              <a:avLst/>
-            </a:prstTxWarp>
-            <a:spAutoFit/>
-          </a:bodyPr>
-          <a:lstStyle/>
-          <a:p>
-            <a:pPr algn="ctr"/>
-            <a:r>
-              <a:rPr lang="ko-KR" sz="1200" dirty="0">
-                <a:solidFill>
-                  <a:srgbClr val="1F2328"/>
-                </a:solidFill>
-                <a:latin typeface="Arial"/>
-                <a:ea typeface="HY울릉도M"/>
-                <a:cs typeface="Arial"/>
-              </a:rPr>
-              <a:t>할 일 목록 애플리케이션</a:t>
-            </a:r>
-            <a:endParaRPr lang="ko-KR" dirty="0"/>
-          </a:p>
-        </p:txBody>
-      </p:sp>
-    </p:spTree>
-    <p:extLst>
-      <p:ext uri="{BB962C8B-B14F-4D97-AF65-F5344CB8AC3E}">
-        <p14:creationId xmlns:p14="http://schemas.microsoft.com/office/powerpoint/2010/main" val="753530211"/>
-      </p:ext>
-    </p:extLst>
-  </p:cSld>
-  <p:clrMapOvr>
-    <a:masterClrMapping/>
-  </p:clrMapOvr>
-</p:sld>
-</file>
-
-<file path=ppt/slides/slide13.xml><?xml version="1.0" encoding="utf-8"?>
-<p:sld xmlns:a="http://schemas.openxmlformats.org/drawingml/2006/main" xmlns:r="http://schemas.openxmlformats.org/officeDocument/2006/relationships" xmlns:p="http://schemas.openxmlformats.org/presentationml/2006/main">
-  <p:cSld>
-    <p:spTree>
-      <p:nvGrpSpPr>
-        <p:cNvPr id="1" name=""/>
-        <p:cNvGrpSpPr/>
-        <p:nvPr/>
-      </p:nvGrpSpPr>
-      <p:grpSpPr>
-        <a:xfrm>
-          <a:off x="0" y="0"/>
-          <a:ext cx="0" cy="0"/>
-          <a:chOff x="0" y="0"/>
-          <a:chExt cx="0" cy="0"/>
-        </a:xfrm>
-      </p:grpSpPr>
-      <p:sp>
-        <p:nvSpPr>
-          <p:cNvPr id="2" name="바닥글 개체 틀 1">
-            <a:extLst>
-              <a:ext uri="{FF2B5EF4-FFF2-40B4-BE49-F238E27FC236}">
-                <a16:creationId xmlns:a16="http://schemas.microsoft.com/office/drawing/2014/main" id="{3E35CAA0-4B2F-7727-DBC9-85FDC21359B5}"/>
-              </a:ext>
-            </a:extLst>
-          </p:cNvPr>
-          <p:cNvSpPr>
-            <a:spLocks noGrp="1"/>
-          </p:cNvSpPr>
-          <p:nvPr>
-            <p:ph type="ftr" sz="quarter" idx="3"/>
-          </p:nvPr>
-        </p:nvSpPr>
-        <p:spPr/>
-        <p:txBody>
-          <a:bodyPr/>
-          <a:lstStyle/>
-          <a:p>
-            <a:pPr algn="r"/>
-            <a:r>
-              <a:rPr lang="ko-KR" altLang="en-US"/>
-              <a:t>팀 명</a:t>
-            </a:r>
-            <a:endParaRPr lang="en-US" altLang="ko-KR"/>
-          </a:p>
-        </p:txBody>
-      </p:sp>
-      <p:sp>
-        <p:nvSpPr>
-          <p:cNvPr id="4" name="TextBox 3">
-            <a:extLst>
-              <a:ext uri="{FF2B5EF4-FFF2-40B4-BE49-F238E27FC236}">
-                <a16:creationId xmlns:a16="http://schemas.microsoft.com/office/drawing/2014/main" id="{FBB5D7A5-C3FF-9985-ED69-0D3EFDBFD57D}"/>
-              </a:ext>
-            </a:extLst>
-          </p:cNvPr>
-          <p:cNvSpPr txBox="1"/>
-          <p:nvPr/>
-        </p:nvSpPr>
-        <p:spPr>
-          <a:xfrm>
-            <a:off x="251140" y="941023"/>
-            <a:ext cx="3735236" cy="307777"/>
-          </a:xfrm>
-          <a:prstGeom prst="rect">
-            <a:avLst/>
-          </a:prstGeom>
-          <a:noFill/>
-        </p:spPr>
-        <p:txBody>
-          <a:bodyPr rot="0" spcFirstLastPara="0" vertOverflow="overflow" horzOverflow="overflow" vert="horz" wrap="square" lIns="91440" tIns="45720" rIns="91440" bIns="45720" numCol="1" spcCol="0" rtlCol="0" fromWordArt="0" anchor="t" anchorCtr="0" forceAA="0" compatLnSpc="1">
-            <a:prstTxWarp prst="textNoShape">
-              <a:avLst/>
-            </a:prstTxWarp>
-            <a:spAutoFit/>
-          </a:bodyPr>
-          <a:lstStyle/>
-          <a:p>
-            <a:r>
-              <a:rPr lang="ko-KR" altLang="en-US">
-                <a:latin typeface="Arial"/>
-                <a:ea typeface="HY울릉도M"/>
-                <a:cs typeface="Arial"/>
-              </a:rPr>
-              <a:t>시퀀스 다이어그램 - UC008 일정을 삭제한다</a:t>
-            </a:r>
-            <a:endParaRPr lang="ko-KR" altLang="en-US">
-              <a:cs typeface="Arial"/>
-            </a:endParaRPr>
-          </a:p>
-        </p:txBody>
-      </p:sp>
-      <p:pic>
-        <p:nvPicPr>
-          <p:cNvPr id="3" name="그림 4" descr="도표이(가) 표시된 사진&#10;&#10;자동 생성된 설명">
-            <a:extLst>
-              <a:ext uri="{FF2B5EF4-FFF2-40B4-BE49-F238E27FC236}">
-                <a16:creationId xmlns:a16="http://schemas.microsoft.com/office/drawing/2014/main" id="{FF2B0A88-7B40-B918-67CB-E3242FAEC4E3}"/>
-              </a:ext>
-            </a:extLst>
-          </p:cNvPr>
-          <p:cNvPicPr>
-            <a:picLocks noChangeAspect="1"/>
-          </p:cNvPicPr>
-          <p:nvPr/>
-        </p:nvPicPr>
-        <p:blipFill>
-          <a:blip r:embed="rId2"/>
-          <a:stretch>
-            <a:fillRect/>
-          </a:stretch>
-        </p:blipFill>
-        <p:spPr>
-          <a:xfrm>
-            <a:off x="741218" y="1436515"/>
-            <a:ext cx="7707745" cy="4400605"/>
-          </a:xfrm>
-          <a:prstGeom prst="rect">
-            <a:avLst/>
-          </a:prstGeom>
-        </p:spPr>
-      </p:pic>
-      <p:sp>
-        <p:nvSpPr>
-          <p:cNvPr id="8" name="TextBox 7">
-            <a:extLst>
-              <a:ext uri="{FF2B5EF4-FFF2-40B4-BE49-F238E27FC236}">
-                <a16:creationId xmlns:a16="http://schemas.microsoft.com/office/drawing/2014/main" id="{D67524F1-B527-622D-AF14-CD6AA632A615}"/>
-              </a:ext>
-            </a:extLst>
-          </p:cNvPr>
-          <p:cNvSpPr txBox="1"/>
-          <p:nvPr/>
-        </p:nvSpPr>
-        <p:spPr>
-          <a:xfrm>
-            <a:off x="1134070" y="276820"/>
-            <a:ext cx="3437929" cy="276999"/>
-          </a:xfrm>
-          <a:prstGeom prst="rect">
-            <a:avLst/>
-          </a:prstGeom>
-          <a:noFill/>
-        </p:spPr>
-        <p:txBody>
-          <a:bodyPr rot="0" spcFirstLastPara="0" vertOverflow="overflow" horzOverflow="overflow" vert="horz" wrap="square" lIns="91440" tIns="45720" rIns="91440" bIns="45720" numCol="1" spcCol="0" rtlCol="0" fromWordArt="0" anchor="t" anchorCtr="0" forceAA="0" compatLnSpc="1">
-            <a:prstTxWarp prst="textNoShape">
-              <a:avLst/>
-            </a:prstTxWarp>
-            <a:spAutoFit/>
-          </a:bodyPr>
-          <a:lstStyle/>
-          <a:p>
-            <a:pPr algn="ctr"/>
-            <a:r>
-              <a:rPr lang="ko-KR" sz="1200" dirty="0">
-                <a:solidFill>
-                  <a:srgbClr val="1F2328"/>
-                </a:solidFill>
-                <a:latin typeface="Arial"/>
-                <a:ea typeface="HY울릉도M"/>
-                <a:cs typeface="Arial"/>
-              </a:rPr>
-              <a:t>할 일 목록 애플리케이션</a:t>
-            </a:r>
-            <a:endParaRPr lang="ko-KR" dirty="0"/>
-          </a:p>
-        </p:txBody>
-      </p:sp>
-    </p:spTree>
-    <p:extLst>
-      <p:ext uri="{BB962C8B-B14F-4D97-AF65-F5344CB8AC3E}">
-        <p14:creationId xmlns:p14="http://schemas.microsoft.com/office/powerpoint/2010/main" val="3020240563"/>
-      </p:ext>
-    </p:extLst>
-  </p:cSld>
-  <p:clrMapOvr>
-    <a:masterClrMapping/>
-  </p:clrMapOvr>
-</p:sld>
-</file>
-
-<file path=ppt/slides/slide14.xml><?xml version="1.0" encoding="utf-8"?>
-<p:sld xmlns:a="http://schemas.openxmlformats.org/drawingml/2006/main" xmlns:r="http://schemas.openxmlformats.org/officeDocument/2006/relationships" xmlns:p="http://schemas.openxmlformats.org/presentationml/2006/main">
-  <p:cSld>
-    <p:spTree>
-      <p:nvGrpSpPr>
-        <p:cNvPr id="1" name=""/>
-        <p:cNvGrpSpPr/>
-        <p:nvPr/>
-      </p:nvGrpSpPr>
-      <p:grpSpPr>
-        <a:xfrm>
-          <a:off x="0" y="0"/>
-          <a:ext cx="0" cy="0"/>
-          <a:chOff x="0" y="0"/>
-          <a:chExt cx="0" cy="0"/>
-        </a:xfrm>
-      </p:grpSpPr>
-      <p:sp>
-        <p:nvSpPr>
-          <p:cNvPr id="2" name="바닥글 개체 틀 1">
-            <a:extLst>
-              <a:ext uri="{FF2B5EF4-FFF2-40B4-BE49-F238E27FC236}">
-                <a16:creationId xmlns:a16="http://schemas.microsoft.com/office/drawing/2014/main" id="{3E35CAA0-4B2F-7727-DBC9-85FDC21359B5}"/>
-              </a:ext>
-            </a:extLst>
-          </p:cNvPr>
-          <p:cNvSpPr>
-            <a:spLocks noGrp="1"/>
-          </p:cNvSpPr>
-          <p:nvPr>
-            <p:ph type="ftr" sz="quarter" idx="3"/>
-          </p:nvPr>
-        </p:nvSpPr>
-        <p:spPr/>
-        <p:txBody>
-          <a:bodyPr/>
-          <a:lstStyle/>
-          <a:p>
-            <a:pPr algn="r"/>
-            <a:r>
-              <a:rPr lang="ko-KR" altLang="en-US"/>
-              <a:t>팀 명</a:t>
-            </a:r>
-            <a:endParaRPr lang="en-US" altLang="ko-KR"/>
-          </a:p>
-        </p:txBody>
-      </p:sp>
-      <p:sp>
-        <p:nvSpPr>
-          <p:cNvPr id="4" name="TextBox 3">
-            <a:extLst>
-              <a:ext uri="{FF2B5EF4-FFF2-40B4-BE49-F238E27FC236}">
-                <a16:creationId xmlns:a16="http://schemas.microsoft.com/office/drawing/2014/main" id="{FBB5D7A5-C3FF-9985-ED69-0D3EFDBFD57D}"/>
-              </a:ext>
-            </a:extLst>
-          </p:cNvPr>
-          <p:cNvSpPr txBox="1"/>
-          <p:nvPr/>
-        </p:nvSpPr>
-        <p:spPr>
-          <a:xfrm>
-            <a:off x="251140" y="941023"/>
-            <a:ext cx="3735236" cy="307777"/>
-          </a:xfrm>
-          <a:prstGeom prst="rect">
-            <a:avLst/>
-          </a:prstGeom>
-          <a:noFill/>
-        </p:spPr>
-        <p:txBody>
-          <a:bodyPr rot="0" spcFirstLastPara="0" vertOverflow="overflow" horzOverflow="overflow" vert="horz" wrap="square" lIns="91440" tIns="45720" rIns="91440" bIns="45720" numCol="1" spcCol="0" rtlCol="0" fromWordArt="0" anchor="t" anchorCtr="0" forceAA="0" compatLnSpc="1">
-            <a:prstTxWarp prst="textNoShape">
-              <a:avLst/>
-            </a:prstTxWarp>
-            <a:spAutoFit/>
-          </a:bodyPr>
-          <a:lstStyle/>
-          <a:p>
-            <a:r>
-              <a:rPr lang="ko-KR" altLang="en-US" dirty="0">
-                <a:latin typeface="Arial"/>
-                <a:ea typeface="HY울릉도M"/>
-                <a:cs typeface="Arial"/>
-              </a:rPr>
-              <a:t>시퀀스 다이어그램 - UC009 일정을 검색한다</a:t>
-            </a:r>
-            <a:endParaRPr lang="ko-KR" altLang="en-US" dirty="0">
-              <a:cs typeface="Arial"/>
-            </a:endParaRPr>
-          </a:p>
-        </p:txBody>
-      </p:sp>
-      <p:pic>
-        <p:nvPicPr>
-          <p:cNvPr id="3" name="그림 4" descr="도표이(가) 표시된 사진&#10;&#10;자동 생성된 설명">
-            <a:extLst>
-              <a:ext uri="{FF2B5EF4-FFF2-40B4-BE49-F238E27FC236}">
-                <a16:creationId xmlns:a16="http://schemas.microsoft.com/office/drawing/2014/main" id="{9665882E-55E0-0D04-C1BC-19EA826BD11B}"/>
-              </a:ext>
-            </a:extLst>
-          </p:cNvPr>
-          <p:cNvPicPr>
-            <a:picLocks noChangeAspect="1"/>
-          </p:cNvPicPr>
-          <p:nvPr/>
-        </p:nvPicPr>
-        <p:blipFill>
-          <a:blip r:embed="rId2"/>
-          <a:stretch>
-            <a:fillRect/>
-          </a:stretch>
-        </p:blipFill>
-        <p:spPr>
-          <a:xfrm>
-            <a:off x="752764" y="1366984"/>
-            <a:ext cx="7765472" cy="4632032"/>
-          </a:xfrm>
-          <a:prstGeom prst="rect">
-            <a:avLst/>
-          </a:prstGeom>
-        </p:spPr>
-      </p:pic>
-      <p:sp>
-        <p:nvSpPr>
-          <p:cNvPr id="8" name="TextBox 7">
-            <a:extLst>
-              <a:ext uri="{FF2B5EF4-FFF2-40B4-BE49-F238E27FC236}">
-                <a16:creationId xmlns:a16="http://schemas.microsoft.com/office/drawing/2014/main" id="{F07DE5D1-4B08-2FF9-ED4A-804E90A904B1}"/>
-              </a:ext>
-            </a:extLst>
-          </p:cNvPr>
-          <p:cNvSpPr txBox="1"/>
-          <p:nvPr/>
-        </p:nvSpPr>
-        <p:spPr>
-          <a:xfrm>
-            <a:off x="1134070" y="276820"/>
-            <a:ext cx="3437929" cy="276999"/>
-          </a:xfrm>
-          <a:prstGeom prst="rect">
-            <a:avLst/>
-          </a:prstGeom>
-          <a:noFill/>
-        </p:spPr>
-        <p:txBody>
-          <a:bodyPr rot="0" spcFirstLastPara="0" vertOverflow="overflow" horzOverflow="overflow" vert="horz" wrap="square" lIns="91440" tIns="45720" rIns="91440" bIns="45720" numCol="1" spcCol="0" rtlCol="0" fromWordArt="0" anchor="t" anchorCtr="0" forceAA="0" compatLnSpc="1">
-            <a:prstTxWarp prst="textNoShape">
-              <a:avLst/>
-            </a:prstTxWarp>
-            <a:spAutoFit/>
-          </a:bodyPr>
-          <a:lstStyle/>
-          <a:p>
-            <a:pPr algn="ctr"/>
-            <a:r>
-              <a:rPr lang="ko-KR" sz="1200" dirty="0">
-                <a:solidFill>
-                  <a:srgbClr val="1F2328"/>
-                </a:solidFill>
-                <a:latin typeface="Arial"/>
-                <a:ea typeface="HY울릉도M"/>
-                <a:cs typeface="Arial"/>
-              </a:rPr>
-              <a:t>할 일 목록 애플리케이션</a:t>
-            </a:r>
-            <a:endParaRPr lang="ko-KR" dirty="0"/>
-          </a:p>
-        </p:txBody>
-      </p:sp>
-    </p:spTree>
-    <p:extLst>
-      <p:ext uri="{BB962C8B-B14F-4D97-AF65-F5344CB8AC3E}">
-        <p14:creationId xmlns:p14="http://schemas.microsoft.com/office/powerpoint/2010/main" val="191607170"/>
-      </p:ext>
-    </p:extLst>
-  </p:cSld>
-  <p:clrMapOvr>
-    <a:masterClrMapping/>
-  </p:clrMapOvr>
-</p:sld>
-</file>
-
-<file path=ppt/slides/slide15.xml><?xml version="1.0" encoding="utf-8"?>
-<p:sld xmlns:a="http://schemas.openxmlformats.org/drawingml/2006/main" xmlns:r="http://schemas.openxmlformats.org/officeDocument/2006/relationships" xmlns:p="http://schemas.openxmlformats.org/presentationml/2006/main">
-  <p:cSld>
-    <p:spTree>
-      <p:nvGrpSpPr>
-        <p:cNvPr id="1" name=""/>
-        <p:cNvGrpSpPr/>
-        <p:nvPr/>
-      </p:nvGrpSpPr>
-      <p:grpSpPr>
-        <a:xfrm>
-          <a:off x="0" y="0"/>
-          <a:ext cx="0" cy="0"/>
-          <a:chOff x="0" y="0"/>
-          <a:chExt cx="0" cy="0"/>
-        </a:xfrm>
-      </p:grpSpPr>
-      <p:sp>
-        <p:nvSpPr>
-          <p:cNvPr id="2" name="바닥글 개체 틀 1">
-            <a:extLst>
-              <a:ext uri="{FF2B5EF4-FFF2-40B4-BE49-F238E27FC236}">
-                <a16:creationId xmlns:a16="http://schemas.microsoft.com/office/drawing/2014/main" id="{3E35CAA0-4B2F-7727-DBC9-85FDC21359B5}"/>
-              </a:ext>
-            </a:extLst>
-          </p:cNvPr>
-          <p:cNvSpPr>
-            <a:spLocks noGrp="1"/>
-          </p:cNvSpPr>
-          <p:nvPr>
-            <p:ph type="ftr" sz="quarter" idx="3"/>
-          </p:nvPr>
-        </p:nvSpPr>
-        <p:spPr/>
-        <p:txBody>
-          <a:bodyPr/>
-          <a:lstStyle/>
-          <a:p>
-            <a:pPr algn="r"/>
-            <a:r>
-              <a:rPr lang="ko-KR" altLang="en-US"/>
-              <a:t>팀 명</a:t>
-            </a:r>
-            <a:endParaRPr lang="en-US" altLang="ko-KR"/>
-          </a:p>
-        </p:txBody>
-      </p:sp>
-      <p:sp>
-        <p:nvSpPr>
-          <p:cNvPr id="4" name="TextBox 3">
-            <a:extLst>
-              <a:ext uri="{FF2B5EF4-FFF2-40B4-BE49-F238E27FC236}">
-                <a16:creationId xmlns:a16="http://schemas.microsoft.com/office/drawing/2014/main" id="{FBB5D7A5-C3FF-9985-ED69-0D3EFDBFD57D}"/>
-              </a:ext>
-            </a:extLst>
-          </p:cNvPr>
-          <p:cNvSpPr txBox="1"/>
-          <p:nvPr/>
-        </p:nvSpPr>
-        <p:spPr>
-          <a:xfrm>
-            <a:off x="251140" y="941023"/>
-            <a:ext cx="3735236" cy="307777"/>
-          </a:xfrm>
-          <a:prstGeom prst="rect">
-            <a:avLst/>
-          </a:prstGeom>
-          <a:noFill/>
-        </p:spPr>
-        <p:txBody>
-          <a:bodyPr rot="0" spcFirstLastPara="0" vertOverflow="overflow" horzOverflow="overflow" vert="horz" wrap="square" lIns="91440" tIns="45720" rIns="91440" bIns="45720" numCol="1" spcCol="0" rtlCol="0" fromWordArt="0" anchor="t" anchorCtr="0" forceAA="0" compatLnSpc="1">
-            <a:prstTxWarp prst="textNoShape">
-              <a:avLst/>
-            </a:prstTxWarp>
-            <a:spAutoFit/>
-          </a:bodyPr>
-          <a:lstStyle/>
-          <a:p>
-            <a:r>
-              <a:rPr lang="ko-KR" altLang="en-US" dirty="0">
-                <a:latin typeface="Arial"/>
-                <a:ea typeface="HY울릉도M"/>
-                <a:cs typeface="Arial"/>
-              </a:rPr>
-              <a:t>시퀀스 다이어그램 - UC011 일정을 수정한다</a:t>
-            </a:r>
-            <a:endParaRPr lang="ko-KR" altLang="en-US" dirty="0" err="1">
-              <a:cs typeface="Arial"/>
-            </a:endParaRPr>
-          </a:p>
-        </p:txBody>
-      </p:sp>
-      <p:pic>
-        <p:nvPicPr>
-          <p:cNvPr id="3" name="그림 4" descr="도표이(가) 표시된 사진&#10;&#10;자동 생성된 설명">
-            <a:extLst>
-              <a:ext uri="{FF2B5EF4-FFF2-40B4-BE49-F238E27FC236}">
-                <a16:creationId xmlns:a16="http://schemas.microsoft.com/office/drawing/2014/main" id="{80CF30B2-8043-BF6A-3D43-C6043EE37464}"/>
-              </a:ext>
-            </a:extLst>
-          </p:cNvPr>
-          <p:cNvPicPr>
-            <a:picLocks noChangeAspect="1"/>
-          </p:cNvPicPr>
-          <p:nvPr/>
-        </p:nvPicPr>
-        <p:blipFill>
-          <a:blip r:embed="rId2"/>
-          <a:stretch>
-            <a:fillRect/>
-          </a:stretch>
-        </p:blipFill>
-        <p:spPr>
-          <a:xfrm>
-            <a:off x="510309" y="1835222"/>
-            <a:ext cx="8342745" cy="3580100"/>
-          </a:xfrm>
-          <a:prstGeom prst="rect">
-            <a:avLst/>
-          </a:prstGeom>
-        </p:spPr>
-      </p:pic>
-      <p:sp>
-        <p:nvSpPr>
-          <p:cNvPr id="8" name="TextBox 7">
-            <a:extLst>
-              <a:ext uri="{FF2B5EF4-FFF2-40B4-BE49-F238E27FC236}">
-                <a16:creationId xmlns:a16="http://schemas.microsoft.com/office/drawing/2014/main" id="{616551B2-4468-6494-4750-5A2E7BED120F}"/>
-              </a:ext>
-            </a:extLst>
-          </p:cNvPr>
-          <p:cNvSpPr txBox="1"/>
-          <p:nvPr/>
-        </p:nvSpPr>
-        <p:spPr>
-          <a:xfrm>
-            <a:off x="1134070" y="276820"/>
-            <a:ext cx="3437929" cy="276999"/>
-          </a:xfrm>
-          <a:prstGeom prst="rect">
-            <a:avLst/>
-          </a:prstGeom>
-          <a:noFill/>
-        </p:spPr>
-        <p:txBody>
-          <a:bodyPr rot="0" spcFirstLastPara="0" vertOverflow="overflow" horzOverflow="overflow" vert="horz" wrap="square" lIns="91440" tIns="45720" rIns="91440" bIns="45720" numCol="1" spcCol="0" rtlCol="0" fromWordArt="0" anchor="t" anchorCtr="0" forceAA="0" compatLnSpc="1">
-            <a:prstTxWarp prst="textNoShape">
-              <a:avLst/>
-            </a:prstTxWarp>
-            <a:spAutoFit/>
-          </a:bodyPr>
-          <a:lstStyle/>
-          <a:p>
-            <a:pPr algn="ctr"/>
-            <a:r>
-              <a:rPr lang="ko-KR" sz="1200" dirty="0">
-                <a:solidFill>
-                  <a:srgbClr val="1F2328"/>
-                </a:solidFill>
-                <a:latin typeface="Arial"/>
-                <a:ea typeface="HY울릉도M"/>
-                <a:cs typeface="Arial"/>
-              </a:rPr>
-              <a:t>할 일 목록 애플리케이션</a:t>
-            </a:r>
-            <a:endParaRPr lang="ko-KR" dirty="0"/>
-          </a:p>
-        </p:txBody>
-      </p:sp>
-    </p:spTree>
-    <p:extLst>
-      <p:ext uri="{BB962C8B-B14F-4D97-AF65-F5344CB8AC3E}">
-        <p14:creationId xmlns:p14="http://schemas.microsoft.com/office/powerpoint/2010/main" val="3668370422"/>
-      </p:ext>
-    </p:extLst>
-  </p:cSld>
-  <p:clrMapOvr>
-    <a:masterClrMapping/>
-  </p:clrMapOvr>
-</p:sld>
-</file>
-
-<file path=ppt/slides/slide16.xml><?xml version="1.0" encoding="utf-8"?>
-<p:sld xmlns:a="http://schemas.openxmlformats.org/drawingml/2006/main" xmlns:r="http://schemas.openxmlformats.org/officeDocument/2006/relationships" xmlns:p="http://schemas.openxmlformats.org/presentationml/2006/main">
-  <p:cSld>
-    <p:spTree>
-      <p:nvGrpSpPr>
-        <p:cNvPr id="1" name=""/>
-        <p:cNvGrpSpPr/>
-        <p:nvPr/>
-      </p:nvGrpSpPr>
-      <p:grpSpPr>
-        <a:xfrm>
-          <a:off x="0" y="0"/>
-          <a:ext cx="0" cy="0"/>
-          <a:chOff x="0" y="0"/>
-          <a:chExt cx="0" cy="0"/>
-        </a:xfrm>
-      </p:grpSpPr>
-      <p:sp>
-        <p:nvSpPr>
-          <p:cNvPr id="2" name="바닥글 개체 틀 1">
-            <a:extLst>
-              <a:ext uri="{FF2B5EF4-FFF2-40B4-BE49-F238E27FC236}">
-                <a16:creationId xmlns:a16="http://schemas.microsoft.com/office/drawing/2014/main" id="{3E35CAA0-4B2F-7727-DBC9-85FDC21359B5}"/>
-              </a:ext>
-            </a:extLst>
-          </p:cNvPr>
-          <p:cNvSpPr>
-            <a:spLocks noGrp="1"/>
-          </p:cNvSpPr>
-          <p:nvPr>
-            <p:ph type="ftr" sz="quarter" idx="3"/>
-          </p:nvPr>
-        </p:nvSpPr>
-        <p:spPr/>
-        <p:txBody>
-          <a:bodyPr/>
-          <a:lstStyle/>
-          <a:p>
-            <a:pPr algn="r"/>
-            <a:r>
-              <a:rPr lang="ko-KR" altLang="en-US"/>
-              <a:t>팀 명</a:t>
-            </a:r>
-            <a:endParaRPr lang="en-US" altLang="ko-KR"/>
-          </a:p>
-        </p:txBody>
-      </p:sp>
-      <p:sp>
-        <p:nvSpPr>
-          <p:cNvPr id="4" name="TextBox 3">
-            <a:extLst>
-              <a:ext uri="{FF2B5EF4-FFF2-40B4-BE49-F238E27FC236}">
-                <a16:creationId xmlns:a16="http://schemas.microsoft.com/office/drawing/2014/main" id="{FBB5D7A5-C3FF-9985-ED69-0D3EFDBFD57D}"/>
-              </a:ext>
-            </a:extLst>
-          </p:cNvPr>
-          <p:cNvSpPr txBox="1"/>
-          <p:nvPr/>
-        </p:nvSpPr>
-        <p:spPr>
-          <a:xfrm>
-            <a:off x="251140" y="941023"/>
-            <a:ext cx="5374690" cy="307777"/>
-          </a:xfrm>
-          <a:prstGeom prst="rect">
-            <a:avLst/>
-          </a:prstGeom>
-          <a:noFill/>
-        </p:spPr>
-        <p:txBody>
-          <a:bodyPr rot="0" spcFirstLastPara="0" vertOverflow="overflow" horzOverflow="overflow" vert="horz" wrap="square" lIns="91440" tIns="45720" rIns="91440" bIns="45720" numCol="1" spcCol="0" rtlCol="0" fromWordArt="0" anchor="t" anchorCtr="0" forceAA="0" compatLnSpc="1">
-            <a:prstTxWarp prst="textNoShape">
-              <a:avLst/>
-            </a:prstTxWarp>
-            <a:spAutoFit/>
-          </a:bodyPr>
-          <a:lstStyle/>
-          <a:p>
-            <a:r>
-              <a:rPr lang="ko-KR" altLang="en-US" dirty="0">
-                <a:latin typeface="Arial"/>
-                <a:ea typeface="HY울릉도M"/>
-                <a:cs typeface="Arial"/>
-              </a:rPr>
-              <a:t>시퀀스 다이어그램 - UC018,  020 아이디를 검색/추가한다.</a:t>
-            </a:r>
-            <a:endParaRPr lang="ko-KR" altLang="en-US" dirty="0">
-              <a:cs typeface="Arial"/>
-            </a:endParaRPr>
-          </a:p>
-        </p:txBody>
-      </p:sp>
-      <p:pic>
-        <p:nvPicPr>
-          <p:cNvPr id="3" name="그림 4" descr="도표이(가) 표시된 사진&#10;&#10;자동 생성된 설명">
-            <a:extLst>
-              <a:ext uri="{FF2B5EF4-FFF2-40B4-BE49-F238E27FC236}">
-                <a16:creationId xmlns:a16="http://schemas.microsoft.com/office/drawing/2014/main" id="{1CB6255C-4D04-53E0-9AF7-1B398631052F}"/>
-              </a:ext>
-            </a:extLst>
-          </p:cNvPr>
-          <p:cNvPicPr>
-            <a:picLocks noChangeAspect="1"/>
-          </p:cNvPicPr>
-          <p:nvPr/>
-        </p:nvPicPr>
-        <p:blipFill>
-          <a:blip r:embed="rId2"/>
-          <a:stretch>
-            <a:fillRect/>
-          </a:stretch>
-        </p:blipFill>
-        <p:spPr>
-          <a:xfrm>
-            <a:off x="995218" y="1319741"/>
-            <a:ext cx="7142018" cy="4853519"/>
-          </a:xfrm>
-          <a:prstGeom prst="rect">
-            <a:avLst/>
-          </a:prstGeom>
-        </p:spPr>
-      </p:pic>
-      <p:sp>
-        <p:nvSpPr>
-          <p:cNvPr id="8" name="TextBox 7">
-            <a:extLst>
-              <a:ext uri="{FF2B5EF4-FFF2-40B4-BE49-F238E27FC236}">
-                <a16:creationId xmlns:a16="http://schemas.microsoft.com/office/drawing/2014/main" id="{F01B10FF-AA2A-1199-A3C5-C5B6E9760CEB}"/>
-              </a:ext>
-            </a:extLst>
-          </p:cNvPr>
-          <p:cNvSpPr txBox="1"/>
-          <p:nvPr/>
-        </p:nvSpPr>
-        <p:spPr>
-          <a:xfrm>
-            <a:off x="1134070" y="276820"/>
-            <a:ext cx="3437929" cy="276999"/>
-          </a:xfrm>
-          <a:prstGeom prst="rect">
-            <a:avLst/>
-          </a:prstGeom>
-          <a:noFill/>
-        </p:spPr>
-        <p:txBody>
-          <a:bodyPr rot="0" spcFirstLastPara="0" vertOverflow="overflow" horzOverflow="overflow" vert="horz" wrap="square" lIns="91440" tIns="45720" rIns="91440" bIns="45720" numCol="1" spcCol="0" rtlCol="0" fromWordArt="0" anchor="t" anchorCtr="0" forceAA="0" compatLnSpc="1">
-            <a:prstTxWarp prst="textNoShape">
-              <a:avLst/>
-            </a:prstTxWarp>
-            <a:spAutoFit/>
-          </a:bodyPr>
-          <a:lstStyle/>
-          <a:p>
-            <a:pPr algn="ctr"/>
-            <a:r>
-              <a:rPr lang="ko-KR" sz="1200" dirty="0">
-                <a:solidFill>
-                  <a:srgbClr val="1F2328"/>
-                </a:solidFill>
-                <a:latin typeface="Arial"/>
-                <a:ea typeface="HY울릉도M"/>
-                <a:cs typeface="Arial"/>
-              </a:rPr>
-              <a:t>할 일 목록 애플리케이션</a:t>
-            </a:r>
-            <a:endParaRPr lang="ko-KR" dirty="0"/>
-          </a:p>
-        </p:txBody>
-      </p:sp>
-    </p:spTree>
-    <p:extLst>
-      <p:ext uri="{BB962C8B-B14F-4D97-AF65-F5344CB8AC3E}">
-        <p14:creationId xmlns:p14="http://schemas.microsoft.com/office/powerpoint/2010/main" val="3903471945"/>
-      </p:ext>
-    </p:extLst>
-  </p:cSld>
-  <p:clrMapOvr>
-    <a:masterClrMapping/>
-  </p:clrMapOvr>
-</p:sld>
-</file>
-
-<file path=ppt/slides/slide17.xml><?xml version="1.0" encoding="utf-8"?>
-<p:sld xmlns:a="http://schemas.openxmlformats.org/drawingml/2006/main" xmlns:r="http://schemas.openxmlformats.org/officeDocument/2006/relationships" xmlns:p="http://schemas.openxmlformats.org/presentationml/2006/main">
-  <p:cSld>
-    <p:spTree>
-      <p:nvGrpSpPr>
-        <p:cNvPr id="1" name=""/>
-        <p:cNvGrpSpPr/>
-        <p:nvPr/>
-      </p:nvGrpSpPr>
-      <p:grpSpPr>
-        <a:xfrm>
-          <a:off x="0" y="0"/>
-          <a:ext cx="0" cy="0"/>
-          <a:chOff x="0" y="0"/>
-          <a:chExt cx="0" cy="0"/>
-        </a:xfrm>
-      </p:grpSpPr>
-      <p:sp>
-        <p:nvSpPr>
-          <p:cNvPr id="2" name="바닥글 개체 틀 1">
-            <a:extLst>
-              <a:ext uri="{FF2B5EF4-FFF2-40B4-BE49-F238E27FC236}">
-                <a16:creationId xmlns:a16="http://schemas.microsoft.com/office/drawing/2014/main" id="{3E35CAA0-4B2F-7727-DBC9-85FDC21359B5}"/>
-              </a:ext>
-            </a:extLst>
-          </p:cNvPr>
-          <p:cNvSpPr>
-            <a:spLocks noGrp="1"/>
-          </p:cNvSpPr>
-          <p:nvPr>
-            <p:ph type="ftr" sz="quarter" idx="3"/>
-          </p:nvPr>
-        </p:nvSpPr>
-        <p:spPr/>
-        <p:txBody>
-          <a:bodyPr/>
-          <a:lstStyle/>
-          <a:p>
-            <a:pPr algn="r"/>
-            <a:r>
-              <a:rPr lang="ko-KR" altLang="en-US"/>
-              <a:t>팀 명</a:t>
-            </a:r>
-            <a:endParaRPr lang="en-US" altLang="ko-KR"/>
-          </a:p>
-        </p:txBody>
-      </p:sp>
-      <p:sp>
-        <p:nvSpPr>
-          <p:cNvPr id="4" name="TextBox 3">
-            <a:extLst>
-              <a:ext uri="{FF2B5EF4-FFF2-40B4-BE49-F238E27FC236}">
-                <a16:creationId xmlns:a16="http://schemas.microsoft.com/office/drawing/2014/main" id="{FBB5D7A5-C3FF-9985-ED69-0D3EFDBFD57D}"/>
-              </a:ext>
-            </a:extLst>
-          </p:cNvPr>
-          <p:cNvSpPr txBox="1"/>
-          <p:nvPr/>
-        </p:nvSpPr>
-        <p:spPr>
-          <a:xfrm>
-            <a:off x="251140" y="941023"/>
-            <a:ext cx="4324054" cy="307777"/>
-          </a:xfrm>
-          <a:prstGeom prst="rect">
-            <a:avLst/>
-          </a:prstGeom>
-          <a:noFill/>
-        </p:spPr>
-        <p:txBody>
-          <a:bodyPr rot="0" spcFirstLastPara="0" vertOverflow="overflow" horzOverflow="overflow" vert="horz" wrap="square" lIns="91440" tIns="45720" rIns="91440" bIns="45720" numCol="1" spcCol="0" rtlCol="0" fromWordArt="0" anchor="t" anchorCtr="0" forceAA="0" compatLnSpc="1">
-            <a:prstTxWarp prst="textNoShape">
-              <a:avLst/>
-            </a:prstTxWarp>
-            <a:spAutoFit/>
-          </a:bodyPr>
-          <a:lstStyle/>
-          <a:p>
-            <a:r>
-              <a:rPr lang="ko-KR" altLang="en-US" dirty="0">
-                <a:latin typeface="Arial"/>
-                <a:ea typeface="HY울릉도M"/>
-                <a:cs typeface="Arial"/>
-              </a:rPr>
-              <a:t>시퀀스 다이어그램 - UC021 친구목록을 조회한다</a:t>
-            </a:r>
-            <a:endParaRPr lang="ko-KR" altLang="en-US" dirty="0">
-              <a:cs typeface="Arial"/>
-            </a:endParaRPr>
-          </a:p>
-        </p:txBody>
-      </p:sp>
-      <p:pic>
-        <p:nvPicPr>
-          <p:cNvPr id="3" name="그림 4" descr="달력이(가) 표시된 사진&#10;&#10;자동 생성된 설명">
-            <a:extLst>
-              <a:ext uri="{FF2B5EF4-FFF2-40B4-BE49-F238E27FC236}">
-                <a16:creationId xmlns:a16="http://schemas.microsoft.com/office/drawing/2014/main" id="{84642D75-F4A2-B900-36CD-250060B77BC4}"/>
-              </a:ext>
-            </a:extLst>
-          </p:cNvPr>
-          <p:cNvPicPr>
-            <a:picLocks noChangeAspect="1"/>
-          </p:cNvPicPr>
-          <p:nvPr/>
-        </p:nvPicPr>
-        <p:blipFill>
-          <a:blip r:embed="rId2"/>
-          <a:stretch>
-            <a:fillRect/>
-          </a:stretch>
-        </p:blipFill>
-        <p:spPr>
-          <a:xfrm>
-            <a:off x="706582" y="1244543"/>
-            <a:ext cx="7696199" cy="4796094"/>
-          </a:xfrm>
-          <a:prstGeom prst="rect">
-            <a:avLst/>
-          </a:prstGeom>
-        </p:spPr>
-      </p:pic>
-      <p:sp>
-        <p:nvSpPr>
-          <p:cNvPr id="8" name="TextBox 7">
-            <a:extLst>
-              <a:ext uri="{FF2B5EF4-FFF2-40B4-BE49-F238E27FC236}">
-                <a16:creationId xmlns:a16="http://schemas.microsoft.com/office/drawing/2014/main" id="{815891F4-CE43-CB03-35A0-1724BBFC1E24}"/>
-              </a:ext>
-            </a:extLst>
-          </p:cNvPr>
-          <p:cNvSpPr txBox="1"/>
-          <p:nvPr/>
-        </p:nvSpPr>
-        <p:spPr>
-          <a:xfrm>
-            <a:off x="1134070" y="276820"/>
-            <a:ext cx="3437929" cy="276999"/>
-          </a:xfrm>
-          <a:prstGeom prst="rect">
-            <a:avLst/>
-          </a:prstGeom>
-          <a:noFill/>
-        </p:spPr>
-        <p:txBody>
-          <a:bodyPr rot="0" spcFirstLastPara="0" vertOverflow="overflow" horzOverflow="overflow" vert="horz" wrap="square" lIns="91440" tIns="45720" rIns="91440" bIns="45720" numCol="1" spcCol="0" rtlCol="0" fromWordArt="0" anchor="t" anchorCtr="0" forceAA="0" compatLnSpc="1">
-            <a:prstTxWarp prst="textNoShape">
-              <a:avLst/>
-            </a:prstTxWarp>
-            <a:spAutoFit/>
-          </a:bodyPr>
-          <a:lstStyle/>
-          <a:p>
-            <a:pPr algn="ctr"/>
-            <a:r>
-              <a:rPr lang="ko-KR" sz="1200" dirty="0">
-                <a:solidFill>
-                  <a:srgbClr val="1F2328"/>
-                </a:solidFill>
-                <a:latin typeface="Arial"/>
-                <a:ea typeface="HY울릉도M"/>
-                <a:cs typeface="Arial"/>
-              </a:rPr>
-              <a:t>할 일 목록 애플리케이션</a:t>
-            </a:r>
-            <a:endParaRPr lang="ko-KR" dirty="0"/>
-          </a:p>
-        </p:txBody>
-      </p:sp>
-    </p:spTree>
-    <p:extLst>
-      <p:ext uri="{BB962C8B-B14F-4D97-AF65-F5344CB8AC3E}">
-        <p14:creationId xmlns:p14="http://schemas.microsoft.com/office/powerpoint/2010/main" val="2660373765"/>
-      </p:ext>
-    </p:extLst>
-  </p:cSld>
-  <p:clrMapOvr>
-    <a:masterClrMapping/>
-  </p:clrMapOvr>
-</p:sld>
-</file>
-
-<file path=ppt/slides/slide18.xml><?xml version="1.0" encoding="utf-8"?>
-<p:sld xmlns:a="http://schemas.openxmlformats.org/drawingml/2006/main" xmlns:r="http://schemas.openxmlformats.org/officeDocument/2006/relationships" xmlns:p="http://schemas.openxmlformats.org/presentationml/2006/main">
-  <p:cSld>
-    <p:spTree>
-      <p:nvGrpSpPr>
-        <p:cNvPr id="1" name=""/>
-        <p:cNvGrpSpPr/>
-        <p:nvPr/>
-      </p:nvGrpSpPr>
-      <p:grpSpPr>
-        <a:xfrm>
-          <a:off x="0" y="0"/>
-          <a:ext cx="0" cy="0"/>
-          <a:chOff x="0" y="0"/>
-          <a:chExt cx="0" cy="0"/>
-        </a:xfrm>
-      </p:grpSpPr>
-      <p:sp>
-        <p:nvSpPr>
-          <p:cNvPr id="2" name="바닥글 개체 틀 1">
-            <a:extLst>
-              <a:ext uri="{FF2B5EF4-FFF2-40B4-BE49-F238E27FC236}">
-                <a16:creationId xmlns:a16="http://schemas.microsoft.com/office/drawing/2014/main" id="{3E35CAA0-4B2F-7727-DBC9-85FDC21359B5}"/>
-              </a:ext>
-            </a:extLst>
-          </p:cNvPr>
-          <p:cNvSpPr>
-            <a:spLocks noGrp="1"/>
-          </p:cNvSpPr>
-          <p:nvPr>
-            <p:ph type="ftr" sz="quarter" idx="3"/>
-          </p:nvPr>
-        </p:nvSpPr>
-        <p:spPr/>
-        <p:txBody>
-          <a:bodyPr/>
-          <a:lstStyle/>
-          <a:p>
-            <a:pPr algn="r"/>
-            <a:r>
-              <a:rPr lang="ko-KR" altLang="en-US"/>
-              <a:t>팀 명</a:t>
-            </a:r>
-            <a:endParaRPr lang="en-US" altLang="ko-KR"/>
-          </a:p>
-        </p:txBody>
-      </p:sp>
-      <p:sp>
-        <p:nvSpPr>
-          <p:cNvPr id="4" name="TextBox 3">
-            <a:extLst>
-              <a:ext uri="{FF2B5EF4-FFF2-40B4-BE49-F238E27FC236}">
-                <a16:creationId xmlns:a16="http://schemas.microsoft.com/office/drawing/2014/main" id="{FBB5D7A5-C3FF-9985-ED69-0D3EFDBFD57D}"/>
-              </a:ext>
-            </a:extLst>
-          </p:cNvPr>
-          <p:cNvSpPr txBox="1"/>
-          <p:nvPr/>
-        </p:nvSpPr>
-        <p:spPr>
-          <a:xfrm>
-            <a:off x="251140" y="941023"/>
-            <a:ext cx="4843599" cy="307777"/>
-          </a:xfrm>
-          <a:prstGeom prst="rect">
-            <a:avLst/>
-          </a:prstGeom>
-          <a:noFill/>
-        </p:spPr>
-        <p:txBody>
-          <a:bodyPr rot="0" spcFirstLastPara="0" vertOverflow="overflow" horzOverflow="overflow" vert="horz" wrap="square" lIns="91440" tIns="45720" rIns="91440" bIns="45720" numCol="1" spcCol="0" rtlCol="0" fromWordArt="0" anchor="t" anchorCtr="0" forceAA="0" compatLnSpc="1">
-            <a:prstTxWarp prst="textNoShape">
-              <a:avLst/>
-            </a:prstTxWarp>
-            <a:spAutoFit/>
-          </a:bodyPr>
-          <a:lstStyle/>
-          <a:p>
-            <a:r>
-              <a:rPr lang="ko-KR" altLang="en-US" dirty="0">
-                <a:latin typeface="Arial"/>
-                <a:ea typeface="HY울릉도M"/>
-                <a:cs typeface="Arial"/>
-              </a:rPr>
-              <a:t>시퀀스 다이어그램 - UC023 카테고리별로 조회한다</a:t>
-            </a:r>
-            <a:endParaRPr lang="ko-KR" altLang="en-US" dirty="0">
-              <a:cs typeface="Arial"/>
-            </a:endParaRPr>
-          </a:p>
-        </p:txBody>
-      </p:sp>
-      <p:pic>
-        <p:nvPicPr>
-          <p:cNvPr id="3" name="그림 4" descr="도표이(가) 표시된 사진&#10;&#10;자동 생성된 설명">
-            <a:extLst>
-              <a:ext uri="{FF2B5EF4-FFF2-40B4-BE49-F238E27FC236}">
-                <a16:creationId xmlns:a16="http://schemas.microsoft.com/office/drawing/2014/main" id="{40C863F6-BAAA-05D3-814D-F98194E5795B}"/>
-              </a:ext>
-            </a:extLst>
-          </p:cNvPr>
-          <p:cNvPicPr>
-            <a:picLocks noChangeAspect="1"/>
-          </p:cNvPicPr>
-          <p:nvPr/>
-        </p:nvPicPr>
-        <p:blipFill>
-          <a:blip r:embed="rId2"/>
-          <a:stretch>
-            <a:fillRect/>
-          </a:stretch>
-        </p:blipFill>
-        <p:spPr>
-          <a:xfrm>
-            <a:off x="695036" y="1392177"/>
-            <a:ext cx="7811654" cy="4604737"/>
-          </a:xfrm>
-          <a:prstGeom prst="rect">
-            <a:avLst/>
-          </a:prstGeom>
-        </p:spPr>
-      </p:pic>
-      <p:sp>
-        <p:nvSpPr>
-          <p:cNvPr id="6" name="TextBox 5">
-            <a:extLst>
-              <a:ext uri="{FF2B5EF4-FFF2-40B4-BE49-F238E27FC236}">
-                <a16:creationId xmlns:a16="http://schemas.microsoft.com/office/drawing/2014/main" id="{D84E129A-05ED-BF0C-5DCF-A3DCF3FE3A69}"/>
-              </a:ext>
-            </a:extLst>
-          </p:cNvPr>
-          <p:cNvSpPr txBox="1"/>
-          <p:nvPr/>
-        </p:nvSpPr>
-        <p:spPr>
-          <a:xfrm>
-            <a:off x="1134070" y="276820"/>
-            <a:ext cx="3437929" cy="276999"/>
-          </a:xfrm>
-          <a:prstGeom prst="rect">
-            <a:avLst/>
-          </a:prstGeom>
-          <a:noFill/>
-        </p:spPr>
-        <p:txBody>
-          <a:bodyPr rot="0" spcFirstLastPara="0" vertOverflow="overflow" horzOverflow="overflow" vert="horz" wrap="square" lIns="91440" tIns="45720" rIns="91440" bIns="45720" numCol="1" spcCol="0" rtlCol="0" fromWordArt="0" anchor="t" anchorCtr="0" forceAA="0" compatLnSpc="1">
-            <a:prstTxWarp prst="textNoShape">
-              <a:avLst/>
-            </a:prstTxWarp>
-            <a:spAutoFit/>
-          </a:bodyPr>
-          <a:lstStyle/>
-          <a:p>
-            <a:pPr algn="ctr"/>
-            <a:r>
-              <a:rPr lang="ko-KR" sz="1200" dirty="0">
-                <a:solidFill>
-                  <a:srgbClr val="1F2328"/>
-                </a:solidFill>
-                <a:latin typeface="Arial"/>
-                <a:ea typeface="HY울릉도M"/>
-                <a:cs typeface="Arial"/>
-              </a:rPr>
-              <a:t>할 일 목록 애플리케이션</a:t>
-            </a:r>
-            <a:endParaRPr lang="ko-KR" dirty="0"/>
-          </a:p>
-        </p:txBody>
-      </p:sp>
-    </p:spTree>
-    <p:extLst>
-      <p:ext uri="{BB962C8B-B14F-4D97-AF65-F5344CB8AC3E}">
-        <p14:creationId xmlns:p14="http://schemas.microsoft.com/office/powerpoint/2010/main" val="2321560825"/>
-      </p:ext>
-    </p:extLst>
-  </p:cSld>
-  <p:clrMapOvr>
-    <a:masterClrMapping/>
-  </p:clrMapOvr>
-</p:sld>
-</file>
-
-<file path=ppt/slides/slide19.xml><?xml version="1.0" encoding="utf-8"?>
-<p:sld xmlns:a="http://schemas.openxmlformats.org/drawingml/2006/main" xmlns:r="http://schemas.openxmlformats.org/officeDocument/2006/relationships" xmlns:p="http://schemas.openxmlformats.org/presentationml/2006/main">
-  <p:cSld>
-    <p:spTree>
-      <p:nvGrpSpPr>
-        <p:cNvPr id="1" name=""/>
-        <p:cNvGrpSpPr/>
-        <p:nvPr/>
-      </p:nvGrpSpPr>
-      <p:grpSpPr>
-        <a:xfrm>
-          <a:off x="0" y="0"/>
-          <a:ext cx="0" cy="0"/>
-          <a:chOff x="0" y="0"/>
-          <a:chExt cx="0" cy="0"/>
-        </a:xfrm>
-      </p:grpSpPr>
-      <p:sp>
-        <p:nvSpPr>
-          <p:cNvPr id="2" name="바닥글 개체 틀 1">
-            <a:extLst>
-              <a:ext uri="{FF2B5EF4-FFF2-40B4-BE49-F238E27FC236}">
-                <a16:creationId xmlns:a16="http://schemas.microsoft.com/office/drawing/2014/main" id="{3E35CAA0-4B2F-7727-DBC9-85FDC21359B5}"/>
-              </a:ext>
-            </a:extLst>
-          </p:cNvPr>
-          <p:cNvSpPr>
-            <a:spLocks noGrp="1"/>
-          </p:cNvSpPr>
-          <p:nvPr>
-            <p:ph type="ftr" sz="quarter" idx="3"/>
-          </p:nvPr>
-        </p:nvSpPr>
-        <p:spPr/>
-        <p:txBody>
-          <a:bodyPr/>
-          <a:lstStyle/>
-          <a:p>
-            <a:pPr algn="r"/>
-            <a:r>
-              <a:rPr lang="ko-KR" altLang="en-US"/>
-              <a:t>팀 명</a:t>
-            </a:r>
-            <a:endParaRPr lang="en-US" altLang="ko-KR"/>
-          </a:p>
-        </p:txBody>
-      </p:sp>
-      <p:sp>
-        <p:nvSpPr>
-          <p:cNvPr id="4" name="TextBox 3">
-            <a:extLst>
-              <a:ext uri="{FF2B5EF4-FFF2-40B4-BE49-F238E27FC236}">
-                <a16:creationId xmlns:a16="http://schemas.microsoft.com/office/drawing/2014/main" id="{FBB5D7A5-C3FF-9985-ED69-0D3EFDBFD57D}"/>
-              </a:ext>
-            </a:extLst>
-          </p:cNvPr>
-          <p:cNvSpPr txBox="1"/>
-          <p:nvPr/>
-        </p:nvSpPr>
-        <p:spPr>
-          <a:xfrm>
-            <a:off x="251140" y="941023"/>
-            <a:ext cx="4427963" cy="307777"/>
-          </a:xfrm>
-          <a:prstGeom prst="rect">
-            <a:avLst/>
-          </a:prstGeom>
-          <a:noFill/>
-        </p:spPr>
-        <p:txBody>
-          <a:bodyPr rot="0" spcFirstLastPara="0" vertOverflow="overflow" horzOverflow="overflow" vert="horz" wrap="square" lIns="91440" tIns="45720" rIns="91440" bIns="45720" numCol="1" spcCol="0" rtlCol="0" fromWordArt="0" anchor="t" anchorCtr="0" forceAA="0" compatLnSpc="1">
-            <a:prstTxWarp prst="textNoShape">
-              <a:avLst/>
-            </a:prstTxWarp>
-            <a:spAutoFit/>
-          </a:bodyPr>
-          <a:lstStyle/>
-          <a:p>
-            <a:r>
-              <a:rPr lang="ko-KR" altLang="en-US" dirty="0">
-                <a:latin typeface="Arial"/>
-                <a:ea typeface="HY울릉도M"/>
-                <a:cs typeface="Arial"/>
-              </a:rPr>
-              <a:t>시퀀스 다이어그램 - UC024 완료여부를 표시한다.</a:t>
-            </a:r>
-            <a:endParaRPr lang="ko-KR" altLang="en-US" dirty="0">
-              <a:cs typeface="Arial"/>
-            </a:endParaRPr>
-          </a:p>
-        </p:txBody>
-      </p:sp>
-      <p:pic>
-        <p:nvPicPr>
-          <p:cNvPr id="3" name="그림 4" descr="도표이(가) 표시된 사진&#10;&#10;자동 생성된 설명">
-            <a:extLst>
-              <a:ext uri="{FF2B5EF4-FFF2-40B4-BE49-F238E27FC236}">
-                <a16:creationId xmlns:a16="http://schemas.microsoft.com/office/drawing/2014/main" id="{17617CDB-DFF0-512A-2343-8193B474409A}"/>
-              </a:ext>
-            </a:extLst>
-          </p:cNvPr>
-          <p:cNvPicPr>
-            <a:picLocks noChangeAspect="1"/>
-          </p:cNvPicPr>
-          <p:nvPr/>
-        </p:nvPicPr>
-        <p:blipFill>
-          <a:blip r:embed="rId2"/>
-          <a:stretch>
-            <a:fillRect/>
-          </a:stretch>
-        </p:blipFill>
-        <p:spPr>
-          <a:xfrm>
-            <a:off x="429491" y="1555981"/>
-            <a:ext cx="8492836" cy="3861492"/>
-          </a:xfrm>
-          <a:prstGeom prst="rect">
-            <a:avLst/>
-          </a:prstGeom>
-        </p:spPr>
-      </p:pic>
-      <p:sp>
-        <p:nvSpPr>
-          <p:cNvPr id="6" name="TextBox 5">
-            <a:extLst>
-              <a:ext uri="{FF2B5EF4-FFF2-40B4-BE49-F238E27FC236}">
-                <a16:creationId xmlns:a16="http://schemas.microsoft.com/office/drawing/2014/main" id="{A6C6E6E1-9460-E47C-C935-3ED543A9E9E8}"/>
-              </a:ext>
-            </a:extLst>
-          </p:cNvPr>
-          <p:cNvSpPr txBox="1"/>
-          <p:nvPr/>
-        </p:nvSpPr>
-        <p:spPr>
-          <a:xfrm>
-            <a:off x="1134070" y="276820"/>
-            <a:ext cx="3437929" cy="276999"/>
-          </a:xfrm>
-          <a:prstGeom prst="rect">
-            <a:avLst/>
-          </a:prstGeom>
-          <a:noFill/>
-        </p:spPr>
-        <p:txBody>
-          <a:bodyPr rot="0" spcFirstLastPara="0" vertOverflow="overflow" horzOverflow="overflow" vert="horz" wrap="square" lIns="91440" tIns="45720" rIns="91440" bIns="45720" numCol="1" spcCol="0" rtlCol="0" fromWordArt="0" anchor="t" anchorCtr="0" forceAA="0" compatLnSpc="1">
-            <a:prstTxWarp prst="textNoShape">
-              <a:avLst/>
-            </a:prstTxWarp>
-            <a:spAutoFit/>
-          </a:bodyPr>
-          <a:lstStyle/>
-          <a:p>
-            <a:pPr algn="ctr"/>
-            <a:r>
-              <a:rPr lang="ko-KR" sz="1200" dirty="0">
-                <a:solidFill>
-                  <a:srgbClr val="1F2328"/>
-                </a:solidFill>
-                <a:latin typeface="Arial"/>
-                <a:ea typeface="HY울릉도M"/>
-                <a:cs typeface="Arial"/>
-              </a:rPr>
-              <a:t>할 일 목록 애플리케이션</a:t>
-            </a:r>
-            <a:endParaRPr lang="ko-KR" dirty="0"/>
-          </a:p>
-        </p:txBody>
-      </p:sp>
-    </p:spTree>
-    <p:extLst>
-      <p:ext uri="{BB962C8B-B14F-4D97-AF65-F5344CB8AC3E}">
-        <p14:creationId xmlns:p14="http://schemas.microsoft.com/office/powerpoint/2010/main" val="1550556742"/>
-      </p:ext>
-    </p:extLst>
-  </p:cSld>
-  <p:clrMapOvr>
-    <a:masterClrMapping/>
-  </p:clrMapOvr>
-</p:sld>
-</file>
-
 <file path=ppt/slides/slide2.xml><?xml version="1.0" encoding="utf-8"?>
 <p:sld xmlns:a="http://schemas.openxmlformats.org/drawingml/2006/main" xmlns:r="http://schemas.openxmlformats.org/officeDocument/2006/relationships" xmlns:p="http://schemas.openxmlformats.org/presentationml/2006/main">
   <p:cSld>
@@ -5985,188 +4125,6 @@
 </p:sld>
 </file>
 
-<file path=ppt/slides/slide20.xml><?xml version="1.0" encoding="utf-8"?>
-<p:sld xmlns:a="http://schemas.openxmlformats.org/drawingml/2006/main" xmlns:r="http://schemas.openxmlformats.org/officeDocument/2006/relationships" xmlns:p="http://schemas.openxmlformats.org/presentationml/2006/main">
-  <p:cSld>
-    <p:spTree>
-      <p:nvGrpSpPr>
-        <p:cNvPr id="1" name=""/>
-        <p:cNvGrpSpPr/>
-        <p:nvPr/>
-      </p:nvGrpSpPr>
-      <p:grpSpPr>
-        <a:xfrm>
-          <a:off x="0" y="0"/>
-          <a:ext cx="0" cy="0"/>
-          <a:chOff x="0" y="0"/>
-          <a:chExt cx="0" cy="0"/>
-        </a:xfrm>
-      </p:grpSpPr>
-      <p:sp>
-        <p:nvSpPr>
-          <p:cNvPr id="2" name="바닥글 개체 틀 1">
-            <a:extLst>
-              <a:ext uri="{FF2B5EF4-FFF2-40B4-BE49-F238E27FC236}">
-                <a16:creationId xmlns:a16="http://schemas.microsoft.com/office/drawing/2014/main" id="{3E35CAA0-4B2F-7727-DBC9-85FDC21359B5}"/>
-              </a:ext>
-            </a:extLst>
-          </p:cNvPr>
-          <p:cNvSpPr>
-            <a:spLocks noGrp="1"/>
-          </p:cNvSpPr>
-          <p:nvPr>
-            <p:ph type="ftr" sz="quarter" idx="3"/>
-          </p:nvPr>
-        </p:nvSpPr>
-        <p:spPr/>
-        <p:txBody>
-          <a:bodyPr/>
-          <a:lstStyle/>
-          <a:p>
-            <a:pPr algn="r"/>
-            <a:r>
-              <a:rPr lang="ko-KR" altLang="en-US"/>
-              <a:t>팀 명</a:t>
-            </a:r>
-            <a:endParaRPr lang="en-US" altLang="ko-KR"/>
-          </a:p>
-        </p:txBody>
-      </p:sp>
-      <p:sp>
-        <p:nvSpPr>
-          <p:cNvPr id="4" name="TextBox 3">
-            <a:extLst>
-              <a:ext uri="{FF2B5EF4-FFF2-40B4-BE49-F238E27FC236}">
-                <a16:creationId xmlns:a16="http://schemas.microsoft.com/office/drawing/2014/main" id="{FBB5D7A5-C3FF-9985-ED69-0D3EFDBFD57D}"/>
-              </a:ext>
-            </a:extLst>
-          </p:cNvPr>
-          <p:cNvSpPr txBox="1"/>
-          <p:nvPr/>
-        </p:nvSpPr>
-        <p:spPr>
-          <a:xfrm>
-            <a:off x="251140" y="941023"/>
-            <a:ext cx="4439508" cy="307777"/>
-          </a:xfrm>
-          <a:prstGeom prst="rect">
-            <a:avLst/>
-          </a:prstGeom>
-          <a:noFill/>
-        </p:spPr>
-        <p:txBody>
-          <a:bodyPr rot="0" spcFirstLastPara="0" vertOverflow="overflow" horzOverflow="overflow" vert="horz" wrap="square" lIns="91440" tIns="45720" rIns="91440" bIns="45720" numCol="1" spcCol="0" rtlCol="0" fromWordArt="0" anchor="t" anchorCtr="0" forceAA="0" compatLnSpc="1">
-            <a:prstTxWarp prst="textNoShape">
-              <a:avLst/>
-            </a:prstTxWarp>
-            <a:spAutoFit/>
-          </a:bodyPr>
-          <a:lstStyle/>
-          <a:p>
-            <a:r>
-              <a:rPr lang="ko-KR" altLang="en-US" dirty="0">
-                <a:latin typeface="Arial"/>
-                <a:ea typeface="HY울릉도M"/>
-                <a:cs typeface="Arial"/>
-              </a:rPr>
-              <a:t>시퀀스 다이어그램 - UC025 날짜별로 조회한다</a:t>
-            </a:r>
-            <a:endParaRPr lang="ko-KR" altLang="en-US" dirty="0">
-              <a:cs typeface="Arial"/>
-            </a:endParaRPr>
-          </a:p>
-        </p:txBody>
-      </p:sp>
-      <p:pic>
-        <p:nvPicPr>
-          <p:cNvPr id="3" name="그림 4" descr="도표이(가) 표시된 사진&#10;&#10;자동 생성된 설명">
-            <a:extLst>
-              <a:ext uri="{FF2B5EF4-FFF2-40B4-BE49-F238E27FC236}">
-                <a16:creationId xmlns:a16="http://schemas.microsoft.com/office/drawing/2014/main" id="{AFE2E79E-800F-EC18-800E-203D8FDD2A6E}"/>
-              </a:ext>
-            </a:extLst>
-          </p:cNvPr>
-          <p:cNvPicPr>
-            <a:picLocks noChangeAspect="1"/>
-          </p:cNvPicPr>
-          <p:nvPr/>
-        </p:nvPicPr>
-        <p:blipFill>
-          <a:blip r:embed="rId2"/>
-          <a:stretch>
-            <a:fillRect/>
-          </a:stretch>
-        </p:blipFill>
-        <p:spPr>
-          <a:xfrm>
-            <a:off x="798946" y="1414906"/>
-            <a:ext cx="7696200" cy="4605461"/>
-          </a:xfrm>
-          <a:prstGeom prst="rect">
-            <a:avLst/>
-          </a:prstGeom>
-        </p:spPr>
-      </p:pic>
-      <p:sp>
-        <p:nvSpPr>
-          <p:cNvPr id="6" name="TextBox 5">
-            <a:extLst>
-              <a:ext uri="{FF2B5EF4-FFF2-40B4-BE49-F238E27FC236}">
-                <a16:creationId xmlns:a16="http://schemas.microsoft.com/office/drawing/2014/main" id="{7D92C4C6-03DE-D955-EB4F-3B4AB722F124}"/>
-              </a:ext>
-            </a:extLst>
-          </p:cNvPr>
-          <p:cNvSpPr txBox="1"/>
-          <p:nvPr/>
-        </p:nvSpPr>
-        <p:spPr>
-          <a:xfrm>
-            <a:off x="1134070" y="276820"/>
-            <a:ext cx="3437929" cy="276999"/>
-          </a:xfrm>
-          <a:prstGeom prst="rect">
-            <a:avLst/>
-          </a:prstGeom>
-          <a:noFill/>
-        </p:spPr>
-        <p:txBody>
-          <a:bodyPr rot="0" spcFirstLastPara="0" vertOverflow="overflow" horzOverflow="overflow" vert="horz" wrap="square" lIns="91440" tIns="45720" rIns="91440" bIns="45720" numCol="1" spcCol="0" rtlCol="0" fromWordArt="0" anchor="t" anchorCtr="0" forceAA="0" compatLnSpc="1">
-            <a:prstTxWarp prst="textNoShape">
-              <a:avLst/>
-            </a:prstTxWarp>
-            <a:spAutoFit/>
-          </a:bodyPr>
-          <a:lstStyle/>
-          <a:p>
-            <a:pPr algn="ctr"/>
-            <a:r>
-              <a:rPr lang="ko-KR" sz="1200" dirty="0">
-                <a:solidFill>
-                  <a:srgbClr val="1F2328"/>
-                </a:solidFill>
-                <a:latin typeface="Arial"/>
-                <a:ea typeface="HY울릉도M"/>
-                <a:cs typeface="Arial"/>
-              </a:rPr>
-              <a:t>할 일 목록 애플리케이션</a:t>
-            </a:r>
-            <a:endParaRPr lang="ko-KR" dirty="0"/>
-          </a:p>
-        </p:txBody>
-      </p:sp>
-    </p:spTree>
-    <p:extLst>
-      <p:ext uri="{BB962C8B-B14F-4D97-AF65-F5344CB8AC3E}">
-        <p14:creationId xmlns:p14="http://schemas.microsoft.com/office/powerpoint/2010/main" val="2070575239"/>
-      </p:ext>
-    </p:extLst>
-  </p:cSld>
-  <p:clrMapOvr>
-    <a:masterClrMapping/>
-  </p:clrMapOvr>
-</p:sld>
-</file>
-
 <file path=ppt/slides/slide3.xml><?xml version="1.0" encoding="utf-8"?>
 <p:sld xmlns:a="http://schemas.openxmlformats.org/drawingml/2006/main" xmlns:r="http://schemas.openxmlformats.org/officeDocument/2006/relationships" xmlns:p="http://schemas.openxmlformats.org/presentationml/2006/main">
   <p:cSld>
@@ -6428,36 +4386,6 @@
           </a:p>
         </p:txBody>
       </p:sp>
-      <p:pic>
-        <p:nvPicPr>
-          <p:cNvPr id="3" name="그림 4" descr="달력이(가) 표시된 사진&#10;&#10;자동 생성된 설명">
-            <a:extLst>
-              <a:ext uri="{FF2B5EF4-FFF2-40B4-BE49-F238E27FC236}">
-                <a16:creationId xmlns:a16="http://schemas.microsoft.com/office/drawing/2014/main" id="{ECD88720-B9B8-9E10-7400-A33DDEB8F5BB}"/>
-              </a:ext>
-            </a:extLst>
-          </p:cNvPr>
-          <p:cNvPicPr>
-            <a:picLocks noChangeAspect="1"/>
-          </p:cNvPicPr>
-          <p:nvPr/>
-        </p:nvPicPr>
-        <p:blipFill>
-          <a:blip r:embed="rId2"/>
-          <a:stretch>
-            <a:fillRect/>
-          </a:stretch>
-        </p:blipFill>
-        <p:spPr>
-          <a:xfrm>
-            <a:off x="762596" y="1225287"/>
-            <a:ext cx="7609879" cy="5041433"/>
-          </a:xfrm>
-          <a:prstGeom prst="rect">
-            <a:avLst/>
-          </a:prstGeom>
-        </p:spPr>
-      </p:pic>
       <p:sp>
         <p:nvSpPr>
           <p:cNvPr id="8" name="TextBox 7">
@@ -6505,6 +4433,36 @@
           </a:p>
         </p:txBody>
       </p:sp>
+      <p:pic>
+        <p:nvPicPr>
+          <p:cNvPr id="6" name="그림 5">
+            <a:extLst>
+              <a:ext uri="{FF2B5EF4-FFF2-40B4-BE49-F238E27FC236}">
+                <a16:creationId xmlns:a16="http://schemas.microsoft.com/office/drawing/2014/main" id="{E8BF202F-FF45-ECB7-DA09-546283E0F13F}"/>
+              </a:ext>
+            </a:extLst>
+          </p:cNvPr>
+          <p:cNvPicPr>
+            <a:picLocks noChangeAspect="1"/>
+          </p:cNvPicPr>
+          <p:nvPr/>
+        </p:nvPicPr>
+        <p:blipFill>
+          <a:blip r:embed="rId2"/>
+          <a:stretch>
+            <a:fillRect/>
+          </a:stretch>
+        </p:blipFill>
+        <p:spPr>
+          <a:xfrm>
+            <a:off x="1453649" y="1448049"/>
+            <a:ext cx="6658946" cy="4468928"/>
+          </a:xfrm>
+          <a:prstGeom prst="rect">
+            <a:avLst/>
+          </a:prstGeom>
+        </p:spPr>
+      </p:pic>
     </p:spTree>
     <p:extLst>
       <p:ext uri="{BB962C8B-B14F-4D97-AF65-F5344CB8AC3E}">
@@ -6610,36 +4568,6 @@
           </a:p>
         </p:txBody>
       </p:sp>
-      <p:pic>
-        <p:nvPicPr>
-          <p:cNvPr id="5" name="그림 5" descr="테이블이(가) 표시된 사진&#10;&#10;자동 생성된 설명">
-            <a:extLst>
-              <a:ext uri="{FF2B5EF4-FFF2-40B4-BE49-F238E27FC236}">
-                <a16:creationId xmlns:a16="http://schemas.microsoft.com/office/drawing/2014/main" id="{FE22AD14-329A-5F3D-60A8-E3D324F387B1}"/>
-              </a:ext>
-            </a:extLst>
-          </p:cNvPr>
-          <p:cNvPicPr>
-            <a:picLocks noChangeAspect="1"/>
-          </p:cNvPicPr>
-          <p:nvPr/>
-        </p:nvPicPr>
-        <p:blipFill>
-          <a:blip r:embed="rId2"/>
-          <a:stretch>
-            <a:fillRect/>
-          </a:stretch>
-        </p:blipFill>
-        <p:spPr>
-          <a:xfrm>
-            <a:off x="378619" y="1405121"/>
-            <a:ext cx="8467129" cy="4779992"/>
-          </a:xfrm>
-          <a:prstGeom prst="rect">
-            <a:avLst/>
-          </a:prstGeom>
-        </p:spPr>
-      </p:pic>
       <p:sp>
         <p:nvSpPr>
           <p:cNvPr id="8" name="TextBox 7">
@@ -6687,6 +4615,36 @@
           </a:p>
         </p:txBody>
       </p:sp>
+      <p:pic>
+        <p:nvPicPr>
+          <p:cNvPr id="6" name="그림 5">
+            <a:extLst>
+              <a:ext uri="{FF2B5EF4-FFF2-40B4-BE49-F238E27FC236}">
+                <a16:creationId xmlns:a16="http://schemas.microsoft.com/office/drawing/2014/main" id="{BEE9AA96-E6A1-DEBD-A2B7-F144CA52E33A}"/>
+              </a:ext>
+            </a:extLst>
+          </p:cNvPr>
+          <p:cNvPicPr>
+            <a:picLocks noChangeAspect="1"/>
+          </p:cNvPicPr>
+          <p:nvPr/>
+        </p:nvPicPr>
+        <p:blipFill>
+          <a:blip r:embed="rId2"/>
+          <a:stretch>
+            <a:fillRect/>
+          </a:stretch>
+        </p:blipFill>
+        <p:spPr>
+          <a:xfrm>
+            <a:off x="478234" y="1461297"/>
+            <a:ext cx="8187530" cy="4679622"/>
+          </a:xfrm>
+          <a:prstGeom prst="rect">
+            <a:avLst/>
+          </a:prstGeom>
+        </p:spPr>
+      </p:pic>
     </p:spTree>
     <p:extLst>
       <p:ext uri="{BB962C8B-B14F-4D97-AF65-F5344CB8AC3E}">
@@ -6701,6 +4659,204 @@
 </file>
 
 <file path=ppt/slides/slide6.xml><?xml version="1.0" encoding="utf-8"?>
+<p:sld xmlns:a="http://schemas.openxmlformats.org/drawingml/2006/main" xmlns:r="http://schemas.openxmlformats.org/officeDocument/2006/relationships" xmlns:p="http://schemas.openxmlformats.org/presentationml/2006/main">
+  <p:cSld>
+    <p:spTree>
+      <p:nvGrpSpPr>
+        <p:cNvPr id="1" name=""/>
+        <p:cNvGrpSpPr/>
+        <p:nvPr/>
+      </p:nvGrpSpPr>
+      <p:grpSpPr>
+        <a:xfrm>
+          <a:off x="0" y="0"/>
+          <a:ext cx="0" cy="0"/>
+          <a:chOff x="0" y="0"/>
+          <a:chExt cx="0" cy="0"/>
+        </a:xfrm>
+      </p:grpSpPr>
+      <p:sp>
+        <p:nvSpPr>
+          <p:cNvPr id="2" name="바닥글 개체 틀 1">
+            <a:extLst>
+              <a:ext uri="{FF2B5EF4-FFF2-40B4-BE49-F238E27FC236}">
+                <a16:creationId xmlns:a16="http://schemas.microsoft.com/office/drawing/2014/main" id="{3E35CAA0-4B2F-7727-DBC9-85FDC21359B5}"/>
+              </a:ext>
+            </a:extLst>
+          </p:cNvPr>
+          <p:cNvSpPr>
+            <a:spLocks noGrp="1"/>
+          </p:cNvSpPr>
+          <p:nvPr>
+            <p:ph type="ftr" sz="quarter" idx="3"/>
+          </p:nvPr>
+        </p:nvSpPr>
+        <p:spPr/>
+        <p:txBody>
+          <a:bodyPr/>
+          <a:lstStyle/>
+          <a:p>
+            <a:pPr algn="r"/>
+            <a:r>
+              <a:rPr lang="ko-KR" altLang="en-US"/>
+              <a:t>팀 명</a:t>
+            </a:r>
+            <a:endParaRPr lang="en-US" altLang="ko-KR"/>
+          </a:p>
+        </p:txBody>
+      </p:sp>
+      <p:sp>
+        <p:nvSpPr>
+          <p:cNvPr id="4" name="TextBox 3">
+            <a:extLst>
+              <a:ext uri="{FF2B5EF4-FFF2-40B4-BE49-F238E27FC236}">
+                <a16:creationId xmlns:a16="http://schemas.microsoft.com/office/drawing/2014/main" id="{FBB5D7A5-C3FF-9985-ED69-0D3EFDBFD57D}"/>
+              </a:ext>
+            </a:extLst>
+          </p:cNvPr>
+          <p:cNvSpPr txBox="1"/>
+          <p:nvPr/>
+        </p:nvSpPr>
+        <p:spPr>
+          <a:xfrm>
+            <a:off x="251140" y="941023"/>
+            <a:ext cx="5494384" cy="307777"/>
+          </a:xfrm>
+          <a:prstGeom prst="rect">
+            <a:avLst/>
+          </a:prstGeom>
+          <a:noFill/>
+        </p:spPr>
+        <p:txBody>
+          <a:bodyPr rot="0" spcFirstLastPara="0" vertOverflow="overflow" horzOverflow="overflow" vert="horz" wrap="square" lIns="91440" tIns="45720" rIns="91440" bIns="45720" numCol="1" spcCol="0" rtlCol="0" fromWordArt="0" anchor="t" anchorCtr="0" forceAA="0" compatLnSpc="1">
+            <a:prstTxWarp prst="textNoShape">
+              <a:avLst/>
+            </a:prstTxWarp>
+            <a:spAutoFit/>
+          </a:bodyPr>
+          <a:lstStyle/>
+          <a:p>
+            <a:r>
+              <a:rPr lang="ko-KR" altLang="en-US" dirty="0">
+                <a:latin typeface="Arial"/>
+                <a:ea typeface="HY울릉도M"/>
+                <a:cs typeface="Arial"/>
+              </a:rPr>
+              <a:t>시퀀스 다이어그램 - UC00</a:t>
+            </a:r>
+            <a:r>
+              <a:rPr lang="en-US" altLang="ko-KR" dirty="0">
+                <a:latin typeface="Arial"/>
+                <a:ea typeface="HY울릉도M"/>
+                <a:cs typeface="Arial"/>
+              </a:rPr>
+              <a:t>3 </a:t>
+            </a:r>
+            <a:r>
+              <a:rPr lang="ko-KR" altLang="en-US" dirty="0">
+                <a:latin typeface="Arial"/>
+                <a:ea typeface="HY울릉도M"/>
+                <a:cs typeface="Arial"/>
+              </a:rPr>
+              <a:t>일정을 추가한다</a:t>
+            </a:r>
+            <a:endParaRPr lang="ko-KR" altLang="en-US" dirty="0">
+              <a:cs typeface="Arial"/>
+            </a:endParaRPr>
+          </a:p>
+        </p:txBody>
+      </p:sp>
+      <p:sp>
+        <p:nvSpPr>
+          <p:cNvPr id="8" name="TextBox 7">
+            <a:extLst>
+              <a:ext uri="{FF2B5EF4-FFF2-40B4-BE49-F238E27FC236}">
+                <a16:creationId xmlns:a16="http://schemas.microsoft.com/office/drawing/2014/main" id="{7A34E570-711C-4C11-A03C-1C535DDF4022}"/>
+              </a:ext>
+            </a:extLst>
+          </p:cNvPr>
+          <p:cNvSpPr txBox="1"/>
+          <p:nvPr/>
+        </p:nvSpPr>
+        <p:spPr>
+          <a:xfrm>
+            <a:off x="1134070" y="276820"/>
+            <a:ext cx="3437929" cy="276999"/>
+          </a:xfrm>
+          <a:prstGeom prst="rect">
+            <a:avLst/>
+          </a:prstGeom>
+          <a:noFill/>
+        </p:spPr>
+        <p:txBody>
+          <a:bodyPr rot="0" spcFirstLastPara="0" vertOverflow="overflow" horzOverflow="overflow" vert="horz" wrap="square" lIns="91440" tIns="45720" rIns="91440" bIns="45720" numCol="1" spcCol="0" rtlCol="0" fromWordArt="0" anchor="t" anchorCtr="0" forceAA="0" compatLnSpc="1">
+            <a:prstTxWarp prst="textNoShape">
+              <a:avLst/>
+            </a:prstTxWarp>
+            <a:spAutoFit/>
+          </a:bodyPr>
+          <a:lstStyle/>
+          <a:p>
+            <a:pPr algn="ctr"/>
+            <a:r>
+              <a:rPr lang="ko-KR" sz="1200" dirty="0">
+                <a:solidFill>
+                  <a:srgbClr val="1F2328"/>
+                </a:solidFill>
+                <a:latin typeface="Arial"/>
+                <a:ea typeface="HY울릉도M"/>
+                <a:cs typeface="Arial"/>
+              </a:rPr>
+              <a:t>할 일 목록 애플리케이션</a:t>
+            </a:r>
+            <a:endParaRPr lang="ko-KR" dirty="0"/>
+          </a:p>
+        </p:txBody>
+      </p:sp>
+      <p:pic>
+        <p:nvPicPr>
+          <p:cNvPr id="9" name="그림 8">
+            <a:extLst>
+              <a:ext uri="{FF2B5EF4-FFF2-40B4-BE49-F238E27FC236}">
+                <a16:creationId xmlns:a16="http://schemas.microsoft.com/office/drawing/2014/main" id="{38766796-4E02-2EDD-9B19-65C16D8D81EF}"/>
+              </a:ext>
+            </a:extLst>
+          </p:cNvPr>
+          <p:cNvPicPr>
+            <a:picLocks noChangeAspect="1"/>
+          </p:cNvPicPr>
+          <p:nvPr/>
+        </p:nvPicPr>
+        <p:blipFill>
+          <a:blip r:embed="rId2"/>
+          <a:stretch>
+            <a:fillRect/>
+          </a:stretch>
+        </p:blipFill>
+        <p:spPr>
+          <a:xfrm>
+            <a:off x="1068981" y="1636004"/>
+            <a:ext cx="7006036" cy="4352587"/>
+          </a:xfrm>
+          <a:prstGeom prst="rect">
+            <a:avLst/>
+          </a:prstGeom>
+        </p:spPr>
+      </p:pic>
+    </p:spTree>
+    <p:extLst>
+      <p:ext uri="{BB962C8B-B14F-4D97-AF65-F5344CB8AC3E}">
+        <p14:creationId xmlns:p14="http://schemas.microsoft.com/office/powerpoint/2010/main" val="753530211"/>
+      </p:ext>
+    </p:extLst>
+  </p:cSld>
+  <p:clrMapOvr>
+    <a:masterClrMapping/>
+  </p:clrMapOvr>
+</p:sld>
+</file>
+
+<file path=ppt/slides/slide7.xml><?xml version="1.0" encoding="utf-8"?>
 <p:sld xmlns:a="http://schemas.openxmlformats.org/drawingml/2006/main" xmlns:r="http://schemas.openxmlformats.org/officeDocument/2006/relationships" xmlns:p="http://schemas.openxmlformats.org/presentationml/2006/main">
   <p:cSld>
     <p:spTree>
@@ -6779,55 +4935,41 @@
           <a:lstStyle/>
           <a:p>
             <a:r>
-              <a:rPr lang="ko-KR" altLang="en-US">
+              <a:rPr lang="ko-KR" altLang="en-US" dirty="0">
                 <a:latin typeface="Arial"/>
                 <a:ea typeface="HY울릉도M"/>
                 <a:cs typeface="Arial"/>
               </a:rPr>
-              <a:t>시퀀스 다이어그램 - UC003 로그아웃을 한다</a:t>
+              <a:t>시퀀스 다이어그램 - UC00</a:t>
             </a:r>
-            <a:endParaRPr lang="ko-KR" altLang="en-US">
+            <a:r>
+              <a:rPr lang="en-US" altLang="ko-KR" dirty="0">
+                <a:latin typeface="Arial"/>
+                <a:ea typeface="HY울릉도M"/>
+                <a:cs typeface="Arial"/>
+              </a:rPr>
+              <a:t>4</a:t>
+            </a:r>
+            <a:r>
+              <a:rPr lang="ko-KR" altLang="en-US" dirty="0">
+                <a:latin typeface="Arial"/>
+                <a:ea typeface="HY울릉도M"/>
+                <a:cs typeface="Arial"/>
+              </a:rPr>
+              <a:t> 일정을 삭제한다</a:t>
+            </a:r>
+            <a:endParaRPr lang="ko-KR" altLang="en-US" dirty="0">
               <a:cs typeface="Arial"/>
             </a:endParaRPr>
           </a:p>
         </p:txBody>
       </p:sp>
-      <p:pic>
-        <p:nvPicPr>
-          <p:cNvPr id="3" name="그림 4" descr="도표이(가) 표시된 사진&#10;&#10;자동 생성된 설명">
-            <a:extLst>
-              <a:ext uri="{FF2B5EF4-FFF2-40B4-BE49-F238E27FC236}">
-                <a16:creationId xmlns:a16="http://schemas.microsoft.com/office/drawing/2014/main" id="{33899089-DD49-5741-9F62-F579246C8CE4}"/>
-              </a:ext>
-            </a:extLst>
-          </p:cNvPr>
-          <p:cNvPicPr>
-            <a:picLocks noChangeAspect="1"/>
-          </p:cNvPicPr>
-          <p:nvPr/>
-        </p:nvPicPr>
-        <p:blipFill>
-          <a:blip r:embed="rId2"/>
-          <a:stretch>
-            <a:fillRect/>
-          </a:stretch>
-        </p:blipFill>
-        <p:spPr>
-          <a:xfrm>
-            <a:off x="253603" y="1698078"/>
-            <a:ext cx="8574285" cy="3452912"/>
-          </a:xfrm>
-          <a:prstGeom prst="rect">
-            <a:avLst/>
-          </a:prstGeom>
-        </p:spPr>
-      </p:pic>
       <p:sp>
         <p:nvSpPr>
           <p:cNvPr id="8" name="TextBox 7">
             <a:extLst>
               <a:ext uri="{FF2B5EF4-FFF2-40B4-BE49-F238E27FC236}">
-                <a16:creationId xmlns:a16="http://schemas.microsoft.com/office/drawing/2014/main" id="{C674641F-346A-01B2-39AF-0D52428A0401}"/>
+                <a16:creationId xmlns:a16="http://schemas.microsoft.com/office/drawing/2014/main" id="{D67524F1-B527-622D-AF14-CD6AA632A615}"/>
               </a:ext>
             </a:extLst>
           </p:cNvPr>
@@ -6869,133 +5011,12 @@
           </a:p>
         </p:txBody>
       </p:sp>
-    </p:spTree>
-    <p:extLst>
-      <p:ext uri="{BB962C8B-B14F-4D97-AF65-F5344CB8AC3E}">
-        <p14:creationId xmlns:p14="http://schemas.microsoft.com/office/powerpoint/2010/main" val="470359521"/>
-      </p:ext>
-    </p:extLst>
-  </p:cSld>
-  <p:clrMapOvr>
-    <a:masterClrMapping/>
-  </p:clrMapOvr>
-</p:sld>
-</file>
-
-<file path=ppt/slides/slide7.xml><?xml version="1.0" encoding="utf-8"?>
-<p:sld xmlns:a="http://schemas.openxmlformats.org/drawingml/2006/main" xmlns:r="http://schemas.openxmlformats.org/officeDocument/2006/relationships" xmlns:p="http://schemas.openxmlformats.org/presentationml/2006/main">
-  <p:cSld>
-    <p:spTree>
-      <p:nvGrpSpPr>
-        <p:cNvPr id="1" name=""/>
-        <p:cNvGrpSpPr/>
-        <p:nvPr/>
-      </p:nvGrpSpPr>
-      <p:grpSpPr>
-        <a:xfrm>
-          <a:off x="0" y="0"/>
-          <a:ext cx="0" cy="0"/>
-          <a:chOff x="0" y="0"/>
-          <a:chExt cx="0" cy="0"/>
-        </a:xfrm>
-      </p:grpSpPr>
-      <p:sp>
-        <p:nvSpPr>
-          <p:cNvPr id="2" name="바닥글 개체 틀 1">
+      <p:pic>
+        <p:nvPicPr>
+          <p:cNvPr id="6" name="그림 5">
             <a:extLst>
               <a:ext uri="{FF2B5EF4-FFF2-40B4-BE49-F238E27FC236}">
-                <a16:creationId xmlns:a16="http://schemas.microsoft.com/office/drawing/2014/main" id="{3E35CAA0-4B2F-7727-DBC9-85FDC21359B5}"/>
-              </a:ext>
-            </a:extLst>
-          </p:cNvPr>
-          <p:cNvSpPr>
-            <a:spLocks noGrp="1"/>
-          </p:cNvSpPr>
-          <p:nvPr>
-            <p:ph type="ftr" sz="quarter" idx="3"/>
-          </p:nvPr>
-        </p:nvSpPr>
-        <p:spPr/>
-        <p:txBody>
-          <a:bodyPr/>
-          <a:lstStyle/>
-          <a:p>
-            <a:pPr algn="r"/>
-            <a:r>
-              <a:rPr lang="ko-KR" altLang="en-US"/>
-              <a:t>팀 명</a:t>
-            </a:r>
-            <a:endParaRPr lang="en-US" altLang="ko-KR"/>
-          </a:p>
-        </p:txBody>
-      </p:sp>
-      <p:sp>
-        <p:nvSpPr>
-          <p:cNvPr id="4" name="TextBox 3">
-            <a:extLst>
-              <a:ext uri="{FF2B5EF4-FFF2-40B4-BE49-F238E27FC236}">
-                <a16:creationId xmlns:a16="http://schemas.microsoft.com/office/drawing/2014/main" id="{FBB5D7A5-C3FF-9985-ED69-0D3EFDBFD57D}"/>
-              </a:ext>
-            </a:extLst>
-          </p:cNvPr>
-          <p:cNvSpPr txBox="1"/>
-          <p:nvPr/>
-        </p:nvSpPr>
-        <p:spPr>
-          <a:xfrm>
-            <a:off x="251140" y="941023"/>
-            <a:ext cx="5709508" cy="307777"/>
-          </a:xfrm>
-          <a:prstGeom prst="rect">
-            <a:avLst/>
-          </a:prstGeom>
-          <a:noFill/>
-        </p:spPr>
-        <p:txBody>
-          <a:bodyPr rot="0" spcFirstLastPara="0" vertOverflow="overflow" horzOverflow="overflow" vert="horz" wrap="square" lIns="91440" tIns="45720" rIns="91440" bIns="45720" numCol="1" spcCol="0" rtlCol="0" fromWordArt="0" anchor="t" anchorCtr="0" forceAA="0" compatLnSpc="1">
-            <a:prstTxWarp prst="textNoShape">
-              <a:avLst/>
-            </a:prstTxWarp>
-            <a:spAutoFit/>
-          </a:bodyPr>
-          <a:lstStyle/>
-          <a:p>
-            <a:r>
-              <a:rPr lang="ko-KR" altLang="en-US" dirty="0">
-                <a:latin typeface="Arial"/>
-                <a:ea typeface="HY울릉도M"/>
-                <a:cs typeface="Arial"/>
-              </a:rPr>
-              <a:t>시퀀스 다이어그램 - UC004 </a:t>
-            </a:r>
-            <a:r>
-              <a:rPr lang="ko-KR" altLang="en-US" dirty="0" err="1">
-                <a:latin typeface="Arial"/>
-                <a:ea typeface="HY울릉도M"/>
-                <a:cs typeface="Arial"/>
-              </a:rPr>
-              <a:t>회원ID,PW를</a:t>
-            </a:r>
-            <a:r>
-              <a:rPr lang="ko-KR" altLang="en-US" dirty="0">
-                <a:latin typeface="Arial"/>
-                <a:ea typeface="HY울릉도M"/>
-                <a:cs typeface="Arial"/>
-              </a:rPr>
-              <a:t> 찾는다 - ID</a:t>
-            </a:r>
-            <a:endParaRPr lang="ko-KR" altLang="en-US" dirty="0">
-              <a:cs typeface="Arial"/>
-            </a:endParaRPr>
-          </a:p>
-        </p:txBody>
-      </p:sp>
-      <p:pic>
-        <p:nvPicPr>
-          <p:cNvPr id="3" name="그림 4" descr="도표이(가) 표시된 사진&#10;&#10;자동 생성된 설명">
-            <a:extLst>
-              <a:ext uri="{FF2B5EF4-FFF2-40B4-BE49-F238E27FC236}">
-                <a16:creationId xmlns:a16="http://schemas.microsoft.com/office/drawing/2014/main" id="{8D13C3DD-1B45-9CD1-4BEF-45F2BF22C262}"/>
+                <a16:creationId xmlns:a16="http://schemas.microsoft.com/office/drawing/2014/main" id="{583C4B3E-59C2-9AEE-8E4C-36B4A47BF492}"/>
               </a:ext>
             </a:extLst>
           </p:cNvPr>
@@ -7012,65 +5033,18 @@
         </p:blipFill>
         <p:spPr>
           <a:xfrm>
-            <a:off x="1164432" y="1322787"/>
-            <a:ext cx="6815137" cy="4739277"/>
+            <a:off x="900822" y="1394617"/>
+            <a:ext cx="7332450" cy="4522360"/>
           </a:xfrm>
           <a:prstGeom prst="rect">
             <a:avLst/>
           </a:prstGeom>
         </p:spPr>
       </p:pic>
-      <p:sp>
-        <p:nvSpPr>
-          <p:cNvPr id="8" name="TextBox 7">
-            <a:extLst>
-              <a:ext uri="{FF2B5EF4-FFF2-40B4-BE49-F238E27FC236}">
-                <a16:creationId xmlns:a16="http://schemas.microsoft.com/office/drawing/2014/main" id="{84870975-420E-7D5B-83FC-EE05E52575D8}"/>
-              </a:ext>
-            </a:extLst>
-          </p:cNvPr>
-          <p:cNvSpPr txBox="1"/>
-          <p:nvPr/>
-        </p:nvSpPr>
-        <p:spPr>
-          <a:xfrm>
-            <a:off x="1134070" y="276820"/>
-            <a:ext cx="3437929" cy="276999"/>
-          </a:xfrm>
-          <a:prstGeom prst="rect">
-            <a:avLst/>
-          </a:prstGeom>
-          <a:noFill/>
-        </p:spPr>
-        <p:txBody>
-          <a:bodyPr rot="0" spcFirstLastPara="0" vertOverflow="overflow" horzOverflow="overflow" vert="horz" wrap="square" lIns="91440" tIns="45720" rIns="91440" bIns="45720" numCol="1" spcCol="0" rtlCol="0" fromWordArt="0" anchor="t" anchorCtr="0" forceAA="0" compatLnSpc="1">
-            <a:prstTxWarp prst="textNoShape">
-              <a:avLst/>
-            </a:prstTxWarp>
-            <a:spAutoFit/>
-          </a:bodyPr>
-          <a:lstStyle/>
-          <a:p>
-            <a:pPr algn="ctr"/>
-            <a:r>
-              <a:rPr lang="ko-KR" sz="1200" dirty="0">
-                <a:solidFill>
-                  <a:srgbClr val="1F2328"/>
-                </a:solidFill>
-                <a:latin typeface="Arial"/>
-                <a:ea typeface="HY울릉도M"/>
-                <a:cs typeface="Arial"/>
-              </a:rPr>
-              <a:t>할 일 목록 애플리케이션</a:t>
-            </a:r>
-            <a:endParaRPr lang="ko-KR" dirty="0"/>
-          </a:p>
-        </p:txBody>
-      </p:sp>
     </p:spTree>
     <p:extLst>
       <p:ext uri="{BB962C8B-B14F-4D97-AF65-F5344CB8AC3E}">
-        <p14:creationId xmlns:p14="http://schemas.microsoft.com/office/powerpoint/2010/main" val="3182016929"/>
+        <p14:creationId xmlns:p14="http://schemas.microsoft.com/office/powerpoint/2010/main" val="3020240563"/>
       </p:ext>
     </p:extLst>
   </p:cSld>
@@ -7141,8 +5115,8 @@
         </p:nvSpPr>
         <p:spPr>
           <a:xfrm>
-            <a:off x="251140" y="941023"/>
-            <a:ext cx="4809775" cy="307777"/>
+            <a:off x="251139" y="941023"/>
+            <a:ext cx="4753997" cy="307777"/>
           </a:xfrm>
           <a:prstGeom prst="rect">
             <a:avLst/>
@@ -7164,31 +5138,7 @@
                 <a:ea typeface="HY울릉도M"/>
                 <a:cs typeface="Arial"/>
               </a:rPr>
-              <a:t>시퀀스 다이어그램 - </a:t>
-            </a:r>
-            <a:r>
-              <a:rPr lang="ko-KR" dirty="0">
-                <a:latin typeface="Arial"/>
-                <a:ea typeface="HY울릉도M"/>
-                <a:cs typeface="Arial"/>
-              </a:rPr>
-              <a:t>UC004 </a:t>
-            </a:r>
-            <a:r>
-              <a:rPr lang="ko-KR" altLang="en-US" dirty="0" err="1">
-                <a:latin typeface="Arial"/>
-                <a:ea typeface="HY울릉도M"/>
-                <a:cs typeface="Arial"/>
-              </a:rPr>
-              <a:t>회원ID,PW를</a:t>
-            </a:r>
-            <a:r>
-              <a:rPr lang="ko-KR" dirty="0">
-                <a:latin typeface="Arial"/>
-                <a:ea typeface="HY울릉도M"/>
-                <a:cs typeface="Arial"/>
-              </a:rPr>
-              <a:t> 찾는다 </a:t>
+              <a:t>시퀀스 다이어그램 - UC00</a:t>
             </a:r>
             <a:r>
               <a:rPr lang="en-US" altLang="ko-KR" dirty="0">
@@ -7196,7 +5146,7 @@
                 <a:ea typeface="HY울릉도M"/>
                 <a:cs typeface="Arial"/>
               </a:rPr>
-              <a:t>-</a:t>
+              <a:t>5 </a:t>
             </a:r>
             <a:r>
               <a:rPr lang="ko-KR" altLang="en-US" dirty="0">
@@ -7204,58 +5154,20 @@
                 <a:ea typeface="HY울릉도M"/>
                 <a:cs typeface="Arial"/>
               </a:rPr>
-              <a:t> </a:t>
+              <a:t>일정 목록을 조회한다</a:t>
             </a:r>
-            <a:r>
-              <a:rPr lang="en-US" altLang="ko-KR" dirty="0">
-                <a:latin typeface="Arial"/>
-                <a:ea typeface="HY울릉도M"/>
-                <a:cs typeface="Arial"/>
-              </a:rPr>
-              <a:t>PW</a:t>
-            </a:r>
-            <a:endParaRPr lang="en-US" altLang="ko-KR" dirty="0">
+            <a:endParaRPr lang="ko-KR" altLang="en-US" dirty="0">
               <a:cs typeface="Arial"/>
             </a:endParaRPr>
           </a:p>
         </p:txBody>
       </p:sp>
-      <p:pic>
-        <p:nvPicPr>
-          <p:cNvPr id="3" name="그림 4" descr="도표이(가) 표시된 사진&#10;&#10;자동 생성된 설명">
-            <a:extLst>
-              <a:ext uri="{FF2B5EF4-FFF2-40B4-BE49-F238E27FC236}">
-                <a16:creationId xmlns:a16="http://schemas.microsoft.com/office/drawing/2014/main" id="{6FD4FB16-81CC-9B13-69C5-4569434A3CCC}"/>
-              </a:ext>
-            </a:extLst>
-          </p:cNvPr>
-          <p:cNvPicPr>
-            <a:picLocks noChangeAspect="1"/>
-          </p:cNvPicPr>
-          <p:nvPr/>
-        </p:nvPicPr>
-        <p:blipFill>
-          <a:blip r:embed="rId2"/>
-          <a:stretch>
-            <a:fillRect/>
-          </a:stretch>
-        </p:blipFill>
-        <p:spPr>
-          <a:xfrm>
-            <a:off x="1262658" y="1434684"/>
-            <a:ext cx="6797278" cy="4774443"/>
-          </a:xfrm>
-          <a:prstGeom prst="rect">
-            <a:avLst/>
-          </a:prstGeom>
-        </p:spPr>
-      </p:pic>
       <p:sp>
         <p:nvSpPr>
           <p:cNvPr id="8" name="TextBox 7">
             <a:extLst>
               <a:ext uri="{FF2B5EF4-FFF2-40B4-BE49-F238E27FC236}">
-                <a16:creationId xmlns:a16="http://schemas.microsoft.com/office/drawing/2014/main" id="{724BD1AA-08AC-E8FF-B243-4DACC41C07CA}"/>
+                <a16:creationId xmlns:a16="http://schemas.microsoft.com/office/drawing/2014/main" id="{F07DE5D1-4B08-2FF9-ED4A-804E90A904B1}"/>
               </a:ext>
             </a:extLst>
           </p:cNvPr>
@@ -7297,10 +5209,40 @@
           </a:p>
         </p:txBody>
       </p:sp>
+      <p:pic>
+        <p:nvPicPr>
+          <p:cNvPr id="6" name="그림 5">
+            <a:extLst>
+              <a:ext uri="{FF2B5EF4-FFF2-40B4-BE49-F238E27FC236}">
+                <a16:creationId xmlns:a16="http://schemas.microsoft.com/office/drawing/2014/main" id="{909D3E6C-C0DB-1858-0285-ABC96FE49643}"/>
+              </a:ext>
+            </a:extLst>
+          </p:cNvPr>
+          <p:cNvPicPr>
+            <a:picLocks noChangeAspect="1"/>
+          </p:cNvPicPr>
+          <p:nvPr/>
+        </p:nvPicPr>
+        <p:blipFill>
+          <a:blip r:embed="rId2"/>
+          <a:stretch>
+            <a:fillRect/>
+          </a:stretch>
+        </p:blipFill>
+        <p:spPr>
+          <a:xfrm>
+            <a:off x="1396721" y="1371775"/>
+            <a:ext cx="6350555" cy="4812329"/>
+          </a:xfrm>
+          <a:prstGeom prst="rect">
+            <a:avLst/>
+          </a:prstGeom>
+        </p:spPr>
+      </p:pic>
     </p:spTree>
     <p:extLst>
       <p:ext uri="{BB962C8B-B14F-4D97-AF65-F5344CB8AC3E}">
-        <p14:creationId xmlns:p14="http://schemas.microsoft.com/office/powerpoint/2010/main" val="2028231454"/>
+        <p14:creationId xmlns:p14="http://schemas.microsoft.com/office/powerpoint/2010/main" val="191607170"/>
       </p:ext>
     </p:extLst>
   </p:cSld>
@@ -7372,7 +5314,7 @@
         <p:spPr>
           <a:xfrm>
             <a:off x="251140" y="941023"/>
-            <a:ext cx="6234916" cy="307777"/>
+            <a:ext cx="3735236" cy="307777"/>
           </a:xfrm>
           <a:prstGeom prst="rect">
             <a:avLst/>
@@ -7394,50 +5336,38 @@
                 <a:ea typeface="HY울릉도M"/>
                 <a:cs typeface="Arial"/>
               </a:rPr>
-              <a:t>시퀀스 다이어그램 - UC005 회원정보를 수정한다 - 이메일을 수정한다</a:t>
+              <a:t>시퀀스 다이어그램 - UC0</a:t>
             </a:r>
-            <a:endParaRPr lang="ko-KR" altLang="en-US" dirty="0">
+            <a:r>
+              <a:rPr lang="en-US" altLang="ko-KR" dirty="0">
+                <a:latin typeface="Arial"/>
+                <a:ea typeface="HY울릉도M"/>
+                <a:cs typeface="Arial"/>
+              </a:rPr>
+              <a:t>07 </a:t>
+            </a:r>
+            <a:r>
+              <a:rPr lang="ko-KR" altLang="en-US" dirty="0">
+                <a:latin typeface="Arial"/>
+                <a:ea typeface="HY울릉도M"/>
+                <a:cs typeface="Arial"/>
+              </a:rPr>
+              <a:t>일정을 수정한다</a:t>
+            </a:r>
+            <a:endParaRPr lang="en-US" altLang="ko-KR" dirty="0">
+              <a:latin typeface="Arial"/>
+              <a:ea typeface="HY울릉도M"/>
               <a:cs typeface="Arial"/>
             </a:endParaRPr>
           </a:p>
         </p:txBody>
       </p:sp>
-      <p:pic>
-        <p:nvPicPr>
-          <p:cNvPr id="3" name="그림 4" descr="달력이(가) 표시된 사진&#10;&#10;자동 생성된 설명">
-            <a:extLst>
-              <a:ext uri="{FF2B5EF4-FFF2-40B4-BE49-F238E27FC236}">
-                <a16:creationId xmlns:a16="http://schemas.microsoft.com/office/drawing/2014/main" id="{FF7C58D3-460C-61CE-CCB8-90AD967B26E3}"/>
-              </a:ext>
-            </a:extLst>
-          </p:cNvPr>
-          <p:cNvPicPr>
-            <a:picLocks noChangeAspect="1"/>
-          </p:cNvPicPr>
-          <p:nvPr/>
-        </p:nvPicPr>
-        <p:blipFill>
-          <a:blip r:embed="rId2"/>
-          <a:stretch>
-            <a:fillRect/>
-          </a:stretch>
-        </p:blipFill>
-        <p:spPr>
-          <a:xfrm>
-            <a:off x="458986" y="1486769"/>
-            <a:ext cx="8270676" cy="4295230"/>
-          </a:xfrm>
-          <a:prstGeom prst="rect">
-            <a:avLst/>
-          </a:prstGeom>
-        </p:spPr>
-      </p:pic>
       <p:sp>
         <p:nvSpPr>
           <p:cNvPr id="8" name="TextBox 7">
             <a:extLst>
               <a:ext uri="{FF2B5EF4-FFF2-40B4-BE49-F238E27FC236}">
-                <a16:creationId xmlns:a16="http://schemas.microsoft.com/office/drawing/2014/main" id="{D128E606-368E-E75E-E3AE-17A3D130F6F0}"/>
+                <a16:creationId xmlns:a16="http://schemas.microsoft.com/office/drawing/2014/main" id="{616551B2-4468-6494-4750-5A2E7BED120F}"/>
               </a:ext>
             </a:extLst>
           </p:cNvPr>
@@ -7479,10 +5409,40 @@
           </a:p>
         </p:txBody>
       </p:sp>
+      <p:pic>
+        <p:nvPicPr>
+          <p:cNvPr id="6" name="그림 5">
+            <a:extLst>
+              <a:ext uri="{FF2B5EF4-FFF2-40B4-BE49-F238E27FC236}">
+                <a16:creationId xmlns:a16="http://schemas.microsoft.com/office/drawing/2014/main" id="{AA4BA6E2-7648-6939-333D-6BA52687D139}"/>
+              </a:ext>
+            </a:extLst>
+          </p:cNvPr>
+          <p:cNvPicPr>
+            <a:picLocks noChangeAspect="1"/>
+          </p:cNvPicPr>
+          <p:nvPr/>
+        </p:nvPicPr>
+        <p:blipFill>
+          <a:blip r:embed="rId2"/>
+          <a:stretch>
+            <a:fillRect/>
+          </a:stretch>
+        </p:blipFill>
+        <p:spPr>
+          <a:xfrm>
+            <a:off x="934886" y="1432422"/>
+            <a:ext cx="7274226" cy="4484555"/>
+          </a:xfrm>
+          <a:prstGeom prst="rect">
+            <a:avLst/>
+          </a:prstGeom>
+        </p:spPr>
+      </p:pic>
     </p:spTree>
     <p:extLst>
       <p:ext uri="{BB962C8B-B14F-4D97-AF65-F5344CB8AC3E}">
-        <p14:creationId xmlns:p14="http://schemas.microsoft.com/office/powerpoint/2010/main" val="307753161"/>
+        <p14:creationId xmlns:p14="http://schemas.microsoft.com/office/powerpoint/2010/main" val="3668370422"/>
       </p:ext>
     </p:extLst>
   </p:cSld>
